--- a/01.Short Fundamentals/18.LISTS/07. Programming-Fundamentals-Lists.pptx
+++ b/01.Short Fundamentals/18.LISTS/07. Programming-Fundamentals-Lists.pptx
@@ -3,37 +3,32 @@
 <p:presentation xmlns:a="http://schemas.openxmlformats.org/drawingml/2006/main" xmlns:r="http://schemas.openxmlformats.org/officeDocument/2006/relationships" xmlns:p="http://schemas.openxmlformats.org/presentationml/2006/main" removePersonalInfoOnSave="1" saveSubsetFonts="1">
   <p:sldMasterIdLst>
     <p:sldMasterId id="2147483660" r:id="rId2"/>
-    <p:sldMasterId id="2147483673" r:id="rId3"/>
   </p:sldMasterIdLst>
   <p:notesMasterIdLst>
-    <p:notesMasterId r:id="rId26"/>
+    <p:notesMasterId r:id="rId21"/>
   </p:notesMasterIdLst>
   <p:handoutMasterIdLst>
-    <p:handoutMasterId r:id="rId27"/>
+    <p:handoutMasterId r:id="rId22"/>
   </p:handoutMasterIdLst>
   <p:sldIdLst>
-    <p:sldId id="515" r:id="rId4"/>
-    <p:sldId id="495" r:id="rId5"/>
-    <p:sldId id="496" r:id="rId6"/>
-    <p:sldId id="497" r:id="rId7"/>
-    <p:sldId id="499" r:id="rId8"/>
-    <p:sldId id="510" r:id="rId9"/>
-    <p:sldId id="511" r:id="rId10"/>
-    <p:sldId id="512" r:id="rId11"/>
-    <p:sldId id="513" r:id="rId12"/>
-    <p:sldId id="501" r:id="rId13"/>
-    <p:sldId id="502" r:id="rId14"/>
-    <p:sldId id="503" r:id="rId15"/>
-    <p:sldId id="508" r:id="rId16"/>
-    <p:sldId id="504" r:id="rId17"/>
-    <p:sldId id="505" r:id="rId18"/>
-    <p:sldId id="506" r:id="rId19"/>
-    <p:sldId id="507" r:id="rId20"/>
-    <p:sldId id="516" r:id="rId21"/>
-    <p:sldId id="421" r:id="rId22"/>
-    <p:sldId id="514" r:id="rId23"/>
-    <p:sldId id="352" r:id="rId24"/>
-    <p:sldId id="393" r:id="rId25"/>
+    <p:sldId id="515" r:id="rId3"/>
+    <p:sldId id="495" r:id="rId4"/>
+    <p:sldId id="496" r:id="rId5"/>
+    <p:sldId id="497" r:id="rId6"/>
+    <p:sldId id="499" r:id="rId7"/>
+    <p:sldId id="510" r:id="rId8"/>
+    <p:sldId id="511" r:id="rId9"/>
+    <p:sldId id="512" r:id="rId10"/>
+    <p:sldId id="513" r:id="rId11"/>
+    <p:sldId id="501" r:id="rId12"/>
+    <p:sldId id="502" r:id="rId13"/>
+    <p:sldId id="503" r:id="rId14"/>
+    <p:sldId id="508" r:id="rId15"/>
+    <p:sldId id="504" r:id="rId16"/>
+    <p:sldId id="505" r:id="rId17"/>
+    <p:sldId id="506" r:id="rId18"/>
+    <p:sldId id="507" r:id="rId19"/>
+    <p:sldId id="421" r:id="rId20"/>
   </p:sldIdLst>
   <p:sldSz cx="12188825" cy="6858000"/>
   <p:notesSz cx="6858000" cy="9144000"/>
@@ -165,15 +160,11 @@
             <p14:sldId id="505"/>
             <p14:sldId id="506"/>
             <p14:sldId id="507"/>
-            <p14:sldId id="516"/>
           </p14:sldIdLst>
         </p14:section>
         <p14:section name="Conclusion" id="{B2622862-F68A-4F31-8407-D1B5A6AB802F}">
           <p14:sldIdLst>
             <p14:sldId id="421"/>
-            <p14:sldId id="514"/>
-            <p14:sldId id="352"/>
-            <p14:sldId id="393"/>
           </p14:sldIdLst>
         </p14:section>
       </p14:sectionLst>
@@ -990,447 +981,6 @@
 </p:notes>
 </file>
 
-<file path=ppt/notesSlides/notesSlide3.xml><?xml version="1.0" encoding="utf-8"?>
-<p:notes xmlns:a="http://schemas.openxmlformats.org/drawingml/2006/main" xmlns:r="http://schemas.openxmlformats.org/officeDocument/2006/relationships" xmlns:p="http://schemas.openxmlformats.org/presentationml/2006/main">
-  <p:cSld>
-    <p:spTree>
-      <p:nvGrpSpPr>
-        <p:cNvPr id="1" name=""/>
-        <p:cNvGrpSpPr/>
-        <p:nvPr/>
-      </p:nvGrpSpPr>
-      <p:grpSpPr>
-        <a:xfrm>
-          <a:off x="0" y="0"/>
-          <a:ext cx="0" cy="0"/>
-          <a:chOff x="0" y="0"/>
-          <a:chExt cx="0" cy="0"/>
-        </a:xfrm>
-      </p:grpSpPr>
-      <p:sp>
-        <p:nvSpPr>
-          <p:cNvPr id="2" name="Slide Image Placeholder 1"/>
-          <p:cNvSpPr>
-            <a:spLocks noGrp="1" noRot="1" noChangeAspect="1"/>
-          </p:cNvSpPr>
-          <p:nvPr>
-            <p:ph type="sldImg"/>
-          </p:nvPr>
-        </p:nvSpPr>
-        <p:spPr/>
-      </p:sp>
-      <p:sp>
-        <p:nvSpPr>
-          <p:cNvPr id="3" name="Notes Placeholder 2"/>
-          <p:cNvSpPr>
-            <a:spLocks noGrp="1"/>
-          </p:cNvSpPr>
-          <p:nvPr>
-            <p:ph type="body" idx="1"/>
-          </p:nvPr>
-        </p:nvSpPr>
-        <p:spPr/>
-        <p:txBody>
-          <a:bodyPr/>
-          <a:lstStyle/>
-          <a:p>
-            <a:endParaRPr lang="en-US"/>
-          </a:p>
-        </p:txBody>
-      </p:sp>
-      <p:sp>
-        <p:nvSpPr>
-          <p:cNvPr id="4" name="Footer Placeholder 3"/>
-          <p:cNvSpPr>
-            <a:spLocks noGrp="1"/>
-          </p:cNvSpPr>
-          <p:nvPr>
-            <p:ph type="ftr" sz="quarter" idx="10"/>
-          </p:nvPr>
-        </p:nvSpPr>
-        <p:spPr/>
-        <p:txBody>
-          <a:bodyPr/>
-          <a:lstStyle/>
-          <a:p>
-            <a:r>
-              <a:rPr lang="en-US" sz="1000">
-                <a:solidFill>
-                  <a:prstClr val="black"/>
-                </a:solidFill>
-              </a:rPr>
-              <a:t>© Software University Foundation – </a:t>
-            </a:r>
-            <a:r>
-              <a:rPr lang="en-US" sz="1000" u="sng">
-                <a:solidFill>
-                  <a:prstClr val="black"/>
-                </a:solidFill>
-                <a:hlinkClick r:id="rId3"/>
-              </a:rPr>
-              <a:t>http://softuni.org</a:t>
-            </a:r>
-            <a:endParaRPr lang="en-US" sz="1000">
-              <a:solidFill>
-                <a:prstClr val="black"/>
-              </a:solidFill>
-            </a:endParaRPr>
-          </a:p>
-          <a:p>
-            <a:r>
-              <a:rPr lang="en-US" sz="1000">
-                <a:solidFill>
-                  <a:prstClr val="black"/>
-                </a:solidFill>
-              </a:rPr>
-              <a:t>This work is licensed under the </a:t>
-            </a:r>
-            <a:r>
-              <a:rPr lang="en-US" sz="1000" u="sng" noProof="1">
-                <a:solidFill>
-                  <a:prstClr val="black"/>
-                </a:solidFill>
-                <a:hlinkClick r:id="rId4"/>
-              </a:rPr>
-              <a:t>Creative Commons Attribution-NonCommercial-ShareAlike</a:t>
-            </a:r>
-            <a:r>
-              <a:rPr lang="en-US" sz="1000" noProof="1">
-                <a:solidFill>
-                  <a:prstClr val="black"/>
-                </a:solidFill>
-              </a:rPr>
-              <a:t> </a:t>
-            </a:r>
-            <a:r>
-              <a:rPr lang="en-US" sz="1000">
-                <a:solidFill>
-                  <a:prstClr val="black"/>
-                </a:solidFill>
-              </a:rPr>
-              <a:t>license.</a:t>
-            </a:r>
-            <a:endParaRPr lang="en-US" sz="1000" dirty="0">
-              <a:solidFill>
-                <a:prstClr val="black"/>
-              </a:solidFill>
-            </a:endParaRPr>
-          </a:p>
-        </p:txBody>
-      </p:sp>
-      <p:sp>
-        <p:nvSpPr>
-          <p:cNvPr id="5" name="Slide Number Placeholder 4"/>
-          <p:cNvSpPr>
-            <a:spLocks noGrp="1"/>
-          </p:cNvSpPr>
-          <p:nvPr>
-            <p:ph type="sldNum" sz="quarter" idx="11"/>
-          </p:nvPr>
-        </p:nvSpPr>
-        <p:spPr/>
-        <p:txBody>
-          <a:bodyPr/>
-          <a:lstStyle/>
-          <a:p>
-            <a:fld id="{3EBA5BD7-F043-4D1B-AA17-CD412FC534DE}" type="slidenum">
-              <a:rPr lang="en-US" smtClean="0">
-                <a:solidFill>
-                  <a:prstClr val="black"/>
-                </a:solidFill>
-              </a:rPr>
-              <a:pPr/>
-              <a:t>20</a:t>
-            </a:fld>
-            <a:endParaRPr lang="en-US" dirty="0">
-              <a:solidFill>
-                <a:prstClr val="black"/>
-              </a:solidFill>
-            </a:endParaRPr>
-          </a:p>
-        </p:txBody>
-      </p:sp>
-    </p:spTree>
-    <p:extLst>
-      <p:ext uri="{BB962C8B-B14F-4D97-AF65-F5344CB8AC3E}">
-        <p14:creationId xmlns:p14="http://schemas.microsoft.com/office/powerpoint/2010/main" val="1267987622"/>
-      </p:ext>
-    </p:extLst>
-  </p:cSld>
-  <p:clrMapOvr>
-    <a:masterClrMapping/>
-  </p:clrMapOvr>
-</p:notes>
-</file>
-
-<file path=ppt/notesSlides/notesSlide4.xml><?xml version="1.0" encoding="utf-8"?>
-<p:notes xmlns:a="http://schemas.openxmlformats.org/drawingml/2006/main" xmlns:r="http://schemas.openxmlformats.org/officeDocument/2006/relationships" xmlns:p="http://schemas.openxmlformats.org/presentationml/2006/main">
-  <p:cSld>
-    <p:spTree>
-      <p:nvGrpSpPr>
-        <p:cNvPr id="1" name=""/>
-        <p:cNvGrpSpPr/>
-        <p:nvPr/>
-      </p:nvGrpSpPr>
-      <p:grpSpPr>
-        <a:xfrm>
-          <a:off x="0" y="0"/>
-          <a:ext cx="0" cy="0"/>
-          <a:chOff x="0" y="0"/>
-          <a:chExt cx="0" cy="0"/>
-        </a:xfrm>
-      </p:grpSpPr>
-      <p:sp>
-        <p:nvSpPr>
-          <p:cNvPr id="2" name="Slide Image Placeholder 1"/>
-          <p:cNvSpPr>
-            <a:spLocks noGrp="1" noRot="1" noChangeAspect="1"/>
-          </p:cNvSpPr>
-          <p:nvPr>
-            <p:ph type="sldImg"/>
-          </p:nvPr>
-        </p:nvSpPr>
-        <p:spPr/>
-      </p:sp>
-      <p:sp>
-        <p:nvSpPr>
-          <p:cNvPr id="3" name="Notes Placeholder 2"/>
-          <p:cNvSpPr>
-            <a:spLocks noGrp="1"/>
-          </p:cNvSpPr>
-          <p:nvPr>
-            <p:ph type="body" idx="1"/>
-          </p:nvPr>
-        </p:nvSpPr>
-        <p:spPr/>
-        <p:txBody>
-          <a:bodyPr/>
-          <a:lstStyle/>
-          <a:p>
-            <a:endParaRPr lang="en-US" dirty="0"/>
-          </a:p>
-        </p:txBody>
-      </p:sp>
-      <p:sp>
-        <p:nvSpPr>
-          <p:cNvPr id="4" name="Footer Placeholder 3"/>
-          <p:cNvSpPr>
-            <a:spLocks noGrp="1"/>
-          </p:cNvSpPr>
-          <p:nvPr>
-            <p:ph type="ftr" sz="quarter" idx="10"/>
-          </p:nvPr>
-        </p:nvSpPr>
-        <p:spPr/>
-        <p:txBody>
-          <a:bodyPr/>
-          <a:lstStyle/>
-          <a:p>
-            <a:r>
-              <a:rPr lang="en-US" sz="1000" dirty="0"/>
-              <a:t>© Software University Foundation – </a:t>
-            </a:r>
-            <a:r>
-              <a:rPr lang="en-US" sz="1000" u="sng" dirty="0">
-                <a:hlinkClick r:id="rId3"/>
-              </a:rPr>
-              <a:t>http://softuni.org</a:t>
-            </a:r>
-            <a:endParaRPr lang="en-US" sz="1000" dirty="0"/>
-          </a:p>
-          <a:p>
-            <a:r>
-              <a:rPr lang="en-US" sz="1000" dirty="0"/>
-              <a:t>This work is licensed under the </a:t>
-            </a:r>
-            <a:r>
-              <a:rPr lang="en-US" sz="1000" u="sng" noProof="1">
-                <a:hlinkClick r:id="rId4"/>
-              </a:rPr>
-              <a:t>Creative Commons Attribution-NonCommercial-ShareAlike</a:t>
-            </a:r>
-            <a:r>
-              <a:rPr lang="en-US" sz="1000" noProof="1"/>
-              <a:t> </a:t>
-            </a:r>
-            <a:r>
-              <a:rPr lang="en-US" sz="1000" dirty="0"/>
-              <a:t>license.</a:t>
-            </a:r>
-          </a:p>
-        </p:txBody>
-      </p:sp>
-      <p:sp>
-        <p:nvSpPr>
-          <p:cNvPr id="5" name="Slide Number Placeholder 4"/>
-          <p:cNvSpPr>
-            <a:spLocks noGrp="1"/>
-          </p:cNvSpPr>
-          <p:nvPr>
-            <p:ph type="sldNum" sz="quarter" idx="11"/>
-          </p:nvPr>
-        </p:nvSpPr>
-        <p:spPr/>
-        <p:txBody>
-          <a:bodyPr/>
-          <a:lstStyle/>
-          <a:p>
-            <a:fld id="{3EBA5BD7-F043-4D1B-AA17-CD412FC534DE}" type="slidenum">
-              <a:rPr lang="en-US" smtClean="0"/>
-              <a:pPr/>
-              <a:t>21</a:t>
-            </a:fld>
-            <a:endParaRPr lang="en-US" dirty="0"/>
-          </a:p>
-        </p:txBody>
-      </p:sp>
-    </p:spTree>
-    <p:extLst>
-      <p:ext uri="{BB962C8B-B14F-4D97-AF65-F5344CB8AC3E}">
-        <p14:creationId xmlns:p14="http://schemas.microsoft.com/office/powerpoint/2010/main" val="2968412272"/>
-      </p:ext>
-    </p:extLst>
-  </p:cSld>
-  <p:clrMapOvr>
-    <a:masterClrMapping/>
-  </p:clrMapOvr>
-</p:notes>
-</file>
-
-<file path=ppt/notesSlides/notesSlide5.xml><?xml version="1.0" encoding="utf-8"?>
-<p:notes xmlns:a="http://schemas.openxmlformats.org/drawingml/2006/main" xmlns:r="http://schemas.openxmlformats.org/officeDocument/2006/relationships" xmlns:p="http://schemas.openxmlformats.org/presentationml/2006/main">
-  <p:cSld>
-    <p:spTree>
-      <p:nvGrpSpPr>
-        <p:cNvPr id="1" name=""/>
-        <p:cNvGrpSpPr/>
-        <p:nvPr/>
-      </p:nvGrpSpPr>
-      <p:grpSpPr>
-        <a:xfrm>
-          <a:off x="0" y="0"/>
-          <a:ext cx="0" cy="0"/>
-          <a:chOff x="0" y="0"/>
-          <a:chExt cx="0" cy="0"/>
-        </a:xfrm>
-      </p:grpSpPr>
-      <p:sp>
-        <p:nvSpPr>
-          <p:cNvPr id="2" name="Slide Image Placeholder 1"/>
-          <p:cNvSpPr>
-            <a:spLocks noGrp="1" noRot="1" noChangeAspect="1"/>
-          </p:cNvSpPr>
-          <p:nvPr>
-            <p:ph type="sldImg"/>
-          </p:nvPr>
-        </p:nvSpPr>
-        <p:spPr/>
-      </p:sp>
-      <p:sp>
-        <p:nvSpPr>
-          <p:cNvPr id="3" name="Notes Placeholder 2"/>
-          <p:cNvSpPr>
-            <a:spLocks noGrp="1"/>
-          </p:cNvSpPr>
-          <p:nvPr>
-            <p:ph type="body" idx="1"/>
-          </p:nvPr>
-        </p:nvSpPr>
-        <p:spPr/>
-        <p:txBody>
-          <a:bodyPr/>
-          <a:lstStyle/>
-          <a:p>
-            <a:endParaRPr lang="en-US" dirty="0"/>
-          </a:p>
-        </p:txBody>
-      </p:sp>
-      <p:sp>
-        <p:nvSpPr>
-          <p:cNvPr id="4" name="Footer Placeholder 3"/>
-          <p:cNvSpPr>
-            <a:spLocks noGrp="1"/>
-          </p:cNvSpPr>
-          <p:nvPr>
-            <p:ph type="ftr" sz="quarter" idx="10"/>
-          </p:nvPr>
-        </p:nvSpPr>
-        <p:spPr/>
-        <p:txBody>
-          <a:bodyPr/>
-          <a:lstStyle/>
-          <a:p>
-            <a:r>
-              <a:rPr lang="en-US" sz="1000" dirty="0"/>
-              <a:t>© Software University Foundation – </a:t>
-            </a:r>
-            <a:r>
-              <a:rPr lang="en-US" sz="1000" u="sng" dirty="0">
-                <a:hlinkClick r:id="rId3"/>
-              </a:rPr>
-              <a:t>http://softuni.org</a:t>
-            </a:r>
-            <a:endParaRPr lang="en-US" sz="1000" dirty="0"/>
-          </a:p>
-          <a:p>
-            <a:r>
-              <a:rPr lang="en-US" sz="1000" dirty="0"/>
-              <a:t>This work is licensed under the </a:t>
-            </a:r>
-            <a:r>
-              <a:rPr lang="en-US" sz="1000" u="sng" noProof="1">
-                <a:hlinkClick r:id="rId4"/>
-              </a:rPr>
-              <a:t>Creative Commons Attribution-NonCommercial-ShareAlike</a:t>
-            </a:r>
-            <a:r>
-              <a:rPr lang="en-US" sz="1000" noProof="1"/>
-              <a:t> </a:t>
-            </a:r>
-            <a:r>
-              <a:rPr lang="en-US" sz="1000" dirty="0"/>
-              <a:t>license.</a:t>
-            </a:r>
-          </a:p>
-        </p:txBody>
-      </p:sp>
-      <p:sp>
-        <p:nvSpPr>
-          <p:cNvPr id="5" name="Slide Number Placeholder 4"/>
-          <p:cNvSpPr>
-            <a:spLocks noGrp="1"/>
-          </p:cNvSpPr>
-          <p:nvPr>
-            <p:ph type="sldNum" sz="quarter" idx="11"/>
-          </p:nvPr>
-        </p:nvSpPr>
-        <p:spPr/>
-        <p:txBody>
-          <a:bodyPr/>
-          <a:lstStyle/>
-          <a:p>
-            <a:fld id="{3EBA5BD7-F043-4D1B-AA17-CD412FC534DE}" type="slidenum">
-              <a:rPr lang="en-US" smtClean="0"/>
-              <a:pPr/>
-              <a:t>22</a:t>
-            </a:fld>
-            <a:endParaRPr lang="en-US" dirty="0"/>
-          </a:p>
-        </p:txBody>
-      </p:sp>
-    </p:spTree>
-    <p:extLst>
-      <p:ext uri="{BB962C8B-B14F-4D97-AF65-F5344CB8AC3E}">
-        <p14:creationId xmlns:p14="http://schemas.microsoft.com/office/powerpoint/2010/main" val="3762762049"/>
-      </p:ext>
-    </p:extLst>
-  </p:cSld>
-  <p:clrMapOvr>
-    <a:masterClrMapping/>
-  </p:clrMapOvr>
-</p:notes>
-</file>
-
 <file path=ppt/slideLayouts/slideLayout1.xml><?xml version="1.0" encoding="utf-8"?>
 <p:sldLayout xmlns:a="http://schemas.openxmlformats.org/drawingml/2006/main" xmlns:r="http://schemas.openxmlformats.org/officeDocument/2006/relationships" xmlns:p="http://schemas.openxmlformats.org/presentationml/2006/main" preserve="1" userDrawn="1">
   <p:cSld name="Presentation Title Slide">
@@ -2526,1697 +2076,6 @@
 </p:sldLayout>
 </file>
 
-<file path=ppt/slideLayouts/slideLayout5.xml><?xml version="1.0" encoding="utf-8"?>
-<p:sldLayout xmlns:a="http://schemas.openxmlformats.org/drawingml/2006/main" xmlns:r="http://schemas.openxmlformats.org/officeDocument/2006/relationships" xmlns:p="http://schemas.openxmlformats.org/presentationml/2006/main" preserve="1" userDrawn="1">
-  <p:cSld name="Presentation Title Slide">
-    <p:bg bwMode="grayWhite">
-      <p:bgPr>
-        <a:blipFill dpi="0" rotWithShape="1">
-          <a:blip r:embed="rId2">
-            <a:lum/>
-          </a:blip>
-          <a:srcRect/>
-          <a:stretch>
-            <a:fillRect/>
-          </a:stretch>
-        </a:blipFill>
-        <a:effectLst/>
-      </p:bgPr>
-    </p:bg>
-    <p:spTree>
-      <p:nvGrpSpPr>
-        <p:cNvPr id="1" name=""/>
-        <p:cNvGrpSpPr/>
-        <p:nvPr/>
-      </p:nvGrpSpPr>
-      <p:grpSpPr>
-        <a:xfrm>
-          <a:off x="0" y="0"/>
-          <a:ext cx="0" cy="0"/>
-          <a:chOff x="0" y="0"/>
-          <a:chExt cx="0" cy="0"/>
-        </a:xfrm>
-      </p:grpSpPr>
-      <p:sp>
-        <p:nvSpPr>
-          <p:cNvPr id="2" name="Title 1"/>
-          <p:cNvSpPr>
-            <a:spLocks noGrp="1"/>
-          </p:cNvSpPr>
-          <p:nvPr>
-            <p:ph type="ctrTitle" hasCustomPrompt="1"/>
-          </p:nvPr>
-        </p:nvSpPr>
-        <p:spPr>
-          <a:xfrm>
-            <a:off x="4366413" y="314301"/>
-            <a:ext cx="7382341" cy="2000251"/>
-          </a:xfrm>
-        </p:spPr>
-        <p:txBody>
-          <a:bodyPr lIns="0" tIns="0" rIns="0" bIns="0">
-            <a:normAutofit/>
-          </a:bodyPr>
-          <a:lstStyle>
-            <a:lvl1pPr algn="r">
-              <a:defRPr sz="5400">
-                <a:solidFill>
-                  <a:srgbClr val="F6D18E"/>
-                </a:solidFill>
-              </a:defRPr>
-            </a:lvl1pPr>
-          </a:lstStyle>
-          <a:p>
-            <a:r>
-              <a:rPr lang="en-US" dirty="0"/>
-              <a:t>Presentation Title</a:t>
-            </a:r>
-            <a:endParaRPr dirty="0"/>
-          </a:p>
-        </p:txBody>
-      </p:sp>
-      <p:sp>
-        <p:nvSpPr>
-          <p:cNvPr id="3" name="Subtitle 2"/>
-          <p:cNvSpPr>
-            <a:spLocks noGrp="1"/>
-          </p:cNvSpPr>
-          <p:nvPr>
-            <p:ph type="subTitle" idx="1" hasCustomPrompt="1"/>
-          </p:nvPr>
-        </p:nvSpPr>
-        <p:spPr>
-          <a:xfrm>
-            <a:off x="4366413" y="2346299"/>
-            <a:ext cx="7382341" cy="1752600"/>
-          </a:xfrm>
-        </p:spPr>
-        <p:txBody>
-          <a:bodyPr lIns="0" tIns="0" rIns="0" bIns="0">
-            <a:normAutofit/>
-          </a:bodyPr>
-          <a:lstStyle>
-            <a:lvl1pPr marL="0" indent="0" algn="r">
-              <a:spcBef>
-                <a:spcPts val="0"/>
-              </a:spcBef>
-              <a:buNone/>
-              <a:defRPr sz="4000" cap="none" spc="200" baseline="0">
-                <a:solidFill>
-                  <a:schemeClr val="accent1"/>
-                </a:solidFill>
-              </a:defRPr>
-            </a:lvl1pPr>
-            <a:lvl2pPr marL="609493" indent="0" algn="ctr">
-              <a:buNone/>
-              <a:defRPr>
-                <a:solidFill>
-                  <a:schemeClr val="tx1">
-                    <a:tint val="75000"/>
-                  </a:schemeClr>
-                </a:solidFill>
-              </a:defRPr>
-            </a:lvl2pPr>
-            <a:lvl3pPr marL="1218987" indent="0" algn="ctr">
-              <a:buNone/>
-              <a:defRPr>
-                <a:solidFill>
-                  <a:schemeClr val="tx1">
-                    <a:tint val="75000"/>
-                  </a:schemeClr>
-                </a:solidFill>
-              </a:defRPr>
-            </a:lvl3pPr>
-            <a:lvl4pPr marL="1828480" indent="0" algn="ctr">
-              <a:buNone/>
-              <a:defRPr>
-                <a:solidFill>
-                  <a:schemeClr val="tx1">
-                    <a:tint val="75000"/>
-                  </a:schemeClr>
-                </a:solidFill>
-              </a:defRPr>
-            </a:lvl4pPr>
-            <a:lvl5pPr marL="2437972" indent="0" algn="ctr">
-              <a:buNone/>
-              <a:defRPr>
-                <a:solidFill>
-                  <a:schemeClr val="tx1">
-                    <a:tint val="75000"/>
-                  </a:schemeClr>
-                </a:solidFill>
-              </a:defRPr>
-            </a:lvl5pPr>
-            <a:lvl6pPr marL="3047466" indent="0" algn="ctr">
-              <a:buNone/>
-              <a:defRPr>
-                <a:solidFill>
-                  <a:schemeClr val="tx1">
-                    <a:tint val="75000"/>
-                  </a:schemeClr>
-                </a:solidFill>
-              </a:defRPr>
-            </a:lvl6pPr>
-            <a:lvl7pPr marL="3656960" indent="0" algn="ctr">
-              <a:buNone/>
-              <a:defRPr>
-                <a:solidFill>
-                  <a:schemeClr val="tx1">
-                    <a:tint val="75000"/>
-                  </a:schemeClr>
-                </a:solidFill>
-              </a:defRPr>
-            </a:lvl7pPr>
-            <a:lvl8pPr marL="4266453" indent="0" algn="ctr">
-              <a:buNone/>
-              <a:defRPr>
-                <a:solidFill>
-                  <a:schemeClr val="tx1">
-                    <a:tint val="75000"/>
-                  </a:schemeClr>
-                </a:solidFill>
-              </a:defRPr>
-            </a:lvl8pPr>
-            <a:lvl9pPr marL="4875947" indent="0" algn="ctr">
-              <a:buNone/>
-              <a:defRPr>
-                <a:solidFill>
-                  <a:schemeClr val="tx1">
-                    <a:tint val="75000"/>
-                  </a:schemeClr>
-                </a:solidFill>
-              </a:defRPr>
-            </a:lvl9pPr>
-          </a:lstStyle>
-          <a:p>
-            <a:r>
-              <a:rPr lang="en-US" dirty="0"/>
-              <a:t>Presentation Subtitle</a:t>
-            </a:r>
-            <a:endParaRPr dirty="0"/>
-          </a:p>
-        </p:txBody>
-      </p:sp>
-      <p:sp>
-        <p:nvSpPr>
-          <p:cNvPr id="25" name="Text Placeholder 13"/>
-          <p:cNvSpPr>
-            <a:spLocks noGrp="1"/>
-          </p:cNvSpPr>
-          <p:nvPr>
-            <p:ph type="body" sz="quarter" idx="10" hasCustomPrompt="1"/>
-          </p:nvPr>
-        </p:nvSpPr>
-        <p:spPr bwMode="auto">
-          <a:xfrm>
-            <a:off x="760412" y="4164083"/>
-            <a:ext cx="3187613" cy="525135"/>
-          </a:xfrm>
-          <a:prstGeom prst="rect">
-            <a:avLst/>
-          </a:prstGeom>
-          <a:noFill/>
-          <a:effectLst/>
-        </p:spPr>
-        <p:txBody>
-          <a:bodyPr wrap="square" lIns="36000" tIns="36000" rIns="36000" bIns="36000" rtlCol="0" anchor="b" anchorCtr="0">
-            <a:spAutoFit/>
-          </a:bodyPr>
-          <a:lstStyle>
-            <a:lvl1pPr marL="0" indent="0" algn="l" rtl="0" fontAlgn="base">
-              <a:spcBef>
-                <a:spcPct val="0"/>
-              </a:spcBef>
-              <a:spcAft>
-                <a:spcPct val="0"/>
-              </a:spcAft>
-              <a:buNone/>
-              <a:defRPr lang="en-US" sz="2800" b="1" kern="1200" baseline="0" dirty="0" smtClean="0">
-                <a:solidFill>
-                  <a:srgbClr val="EE792A"/>
-                </a:solidFill>
-                <a:effectLst/>
-                <a:latin typeface="+mn-lt"/>
-                <a:ea typeface="+mn-ea"/>
-                <a:cs typeface="+mn-cs"/>
-              </a:defRPr>
-            </a:lvl1pPr>
-          </a:lstStyle>
-          <a:p>
-            <a:pPr lvl="0"/>
-            <a:r>
-              <a:rPr lang="en-US" dirty="0"/>
-              <a:t>Author Name</a:t>
-            </a:r>
-          </a:p>
-        </p:txBody>
-      </p:sp>
-      <p:sp>
-        <p:nvSpPr>
-          <p:cNvPr id="31" name="Picture Placeholder 4"/>
-          <p:cNvSpPr>
-            <a:spLocks noGrp="1"/>
-          </p:cNvSpPr>
-          <p:nvPr>
-            <p:ph type="pic" sz="quarter" idx="16" hasCustomPrompt="1"/>
-          </p:nvPr>
-        </p:nvSpPr>
-        <p:spPr>
-          <a:xfrm>
-            <a:off x="4366413" y="4191000"/>
-            <a:ext cx="7382341" cy="1905000"/>
-          </a:xfrm>
-          <a:prstGeom prst="rect">
-            <a:avLst/>
-          </a:prstGeom>
-        </p:spPr>
-        <p:txBody>
-          <a:bodyPr lIns="108000" tIns="36000" rIns="108000" bIns="36000"/>
-          <a:lstStyle>
-            <a:lvl1pPr marL="0" indent="0">
-              <a:buNone/>
-              <a:defRPr/>
-            </a:lvl1pPr>
-          </a:lstStyle>
-          <a:p>
-            <a:r>
-              <a:rPr lang="en-US" dirty="0"/>
-              <a:t>Insert a Picture Here</a:t>
-            </a:r>
-          </a:p>
-        </p:txBody>
-      </p:sp>
-      <p:sp>
-        <p:nvSpPr>
-          <p:cNvPr id="32" name="Text Placeholder 13"/>
-          <p:cNvSpPr>
-            <a:spLocks noGrp="1"/>
-          </p:cNvSpPr>
-          <p:nvPr>
-            <p:ph type="body" sz="quarter" idx="13" hasCustomPrompt="1"/>
-          </p:nvPr>
-        </p:nvSpPr>
-        <p:spPr bwMode="auto">
-          <a:xfrm>
-            <a:off x="760413" y="4633982"/>
-            <a:ext cx="3187614" cy="444343"/>
-          </a:xfrm>
-          <a:prstGeom prst="rect">
-            <a:avLst/>
-          </a:prstGeom>
-          <a:noFill/>
-          <a:effectLst/>
-        </p:spPr>
-        <p:txBody>
-          <a:bodyPr wrap="square" lIns="36000" tIns="36000" rIns="36000" bIns="36000" rtlCol="0" anchor="ctr" anchorCtr="0">
-            <a:spAutoFit/>
-          </a:bodyPr>
-          <a:lstStyle>
-            <a:lvl1pPr marL="0" indent="0" algn="l" rtl="0" fontAlgn="base">
-              <a:spcBef>
-                <a:spcPct val="0"/>
-              </a:spcBef>
-              <a:spcAft>
-                <a:spcPct val="0"/>
-              </a:spcAft>
-              <a:buNone/>
-              <a:defRPr lang="en-US" sz="2300" b="1" kern="1200" dirty="0" smtClean="0">
-                <a:solidFill>
-                  <a:srgbClr val="F4B36C"/>
-                </a:solidFill>
-                <a:effectLst/>
-                <a:latin typeface="+mn-lt"/>
-                <a:ea typeface="+mn-ea"/>
-                <a:cs typeface="+mn-cs"/>
-              </a:defRPr>
-            </a:lvl1pPr>
-          </a:lstStyle>
-          <a:p>
-            <a:pPr lvl="0"/>
-            <a:r>
-              <a:rPr lang="en-US" dirty="0"/>
-              <a:t>Position</a:t>
-            </a:r>
-          </a:p>
-        </p:txBody>
-      </p:sp>
-      <p:sp>
-        <p:nvSpPr>
-          <p:cNvPr id="33" name="Text Placeholder 13"/>
-          <p:cNvSpPr>
-            <a:spLocks noGrp="1"/>
-          </p:cNvSpPr>
-          <p:nvPr>
-            <p:ph type="body" sz="quarter" idx="14" hasCustomPrompt="1"/>
-          </p:nvPr>
-        </p:nvSpPr>
-        <p:spPr bwMode="auto">
-          <a:xfrm>
-            <a:off x="760412" y="5011671"/>
-            <a:ext cx="3187613" cy="395869"/>
-          </a:xfrm>
-          <a:prstGeom prst="rect">
-            <a:avLst/>
-          </a:prstGeom>
-          <a:noFill/>
-          <a:effectLst/>
-        </p:spPr>
-        <p:txBody>
-          <a:bodyPr wrap="square" lIns="36000" tIns="36000" rIns="36000" bIns="36000" rtlCol="0" anchor="ctr" anchorCtr="0">
-            <a:spAutoFit/>
-          </a:bodyPr>
-          <a:lstStyle>
-            <a:lvl1pPr marL="0" indent="0" algn="l" rtl="0" fontAlgn="base">
-              <a:spcBef>
-                <a:spcPct val="0"/>
-              </a:spcBef>
-              <a:spcAft>
-                <a:spcPct val="0"/>
-              </a:spcAft>
-              <a:buNone/>
-              <a:defRPr lang="en-US" sz="2000" b="1" kern="1200" dirty="0" smtClean="0">
-                <a:solidFill>
-                  <a:schemeClr val="accent1">
-                    <a:lumMod val="40000"/>
-                    <a:lumOff val="60000"/>
-                  </a:schemeClr>
-                </a:solidFill>
-                <a:effectLst/>
-                <a:latin typeface="+mn-lt"/>
-                <a:ea typeface="+mn-ea"/>
-                <a:cs typeface="+mn-cs"/>
-              </a:defRPr>
-            </a:lvl1pPr>
-          </a:lstStyle>
-          <a:p>
-            <a:pPr lvl="0"/>
-            <a:r>
-              <a:rPr lang="en-US" dirty="0"/>
-              <a:t>Web Site</a:t>
-            </a:r>
-          </a:p>
-        </p:txBody>
-      </p:sp>
-      <p:sp>
-        <p:nvSpPr>
-          <p:cNvPr id="34" name="Text Placeholder 13"/>
-          <p:cNvSpPr>
-            <a:spLocks noGrp="1"/>
-          </p:cNvSpPr>
-          <p:nvPr>
-            <p:ph type="body" sz="quarter" idx="17" hasCustomPrompt="1"/>
-          </p:nvPr>
-        </p:nvSpPr>
-        <p:spPr bwMode="auto">
-          <a:xfrm>
-            <a:off x="760412" y="5394605"/>
-            <a:ext cx="3187613" cy="363552"/>
-          </a:xfrm>
-          <a:prstGeom prst="rect">
-            <a:avLst/>
-          </a:prstGeom>
-          <a:noFill/>
-          <a:effectLst/>
-        </p:spPr>
-        <p:txBody>
-          <a:bodyPr wrap="square" lIns="36000" tIns="36000" rIns="36000" bIns="36000" rtlCol="0" anchor="ctr" anchorCtr="0">
-            <a:spAutoFit/>
-          </a:bodyPr>
-          <a:lstStyle>
-            <a:lvl1pPr marL="0" indent="0" algn="l" rtl="0" fontAlgn="base">
-              <a:spcBef>
-                <a:spcPct val="0"/>
-              </a:spcBef>
-              <a:spcAft>
-                <a:spcPct val="0"/>
-              </a:spcAft>
-              <a:buNone/>
-              <a:defRPr lang="en-US" sz="1800" b="1" kern="1200" dirty="0" smtClean="0">
-                <a:solidFill>
-                  <a:srgbClr val="F27A44"/>
-                </a:solidFill>
-                <a:effectLst/>
-                <a:latin typeface="+mn-lt"/>
-                <a:ea typeface="+mn-ea"/>
-                <a:cs typeface="+mn-cs"/>
-              </a:defRPr>
-            </a:lvl1pPr>
-          </a:lstStyle>
-          <a:p>
-            <a:pPr lvl="0"/>
-            <a:r>
-              <a:rPr lang="en-US" dirty="0"/>
-              <a:t>Company Name</a:t>
-            </a:r>
-          </a:p>
-        </p:txBody>
-      </p:sp>
-      <p:sp>
-        <p:nvSpPr>
-          <p:cNvPr id="35" name="Text Placeholder 13"/>
-          <p:cNvSpPr>
-            <a:spLocks noGrp="1"/>
-          </p:cNvSpPr>
-          <p:nvPr>
-            <p:ph type="body" sz="quarter" idx="18" hasCustomPrompt="1"/>
-          </p:nvPr>
-        </p:nvSpPr>
-        <p:spPr bwMode="auto">
-          <a:xfrm>
-            <a:off x="760412" y="5735767"/>
-            <a:ext cx="3187613" cy="331235"/>
-          </a:xfrm>
-          <a:prstGeom prst="rect">
-            <a:avLst/>
-          </a:prstGeom>
-          <a:noFill/>
-          <a:effectLst/>
-        </p:spPr>
-        <p:txBody>
-          <a:bodyPr wrap="square" lIns="36000" tIns="36000" rIns="36000" bIns="36000" rtlCol="0" anchor="ctr" anchorCtr="0">
-            <a:spAutoFit/>
-          </a:bodyPr>
-          <a:lstStyle>
-            <a:lvl1pPr marL="0" indent="0" algn="l" rtl="0" fontAlgn="base">
-              <a:spcBef>
-                <a:spcPct val="0"/>
-              </a:spcBef>
-              <a:spcAft>
-                <a:spcPct val="0"/>
-              </a:spcAft>
-              <a:buNone/>
-              <a:defRPr lang="en-US" sz="1600" b="1" kern="1200" dirty="0" smtClean="0">
-                <a:solidFill>
-                  <a:srgbClr val="F27A44"/>
-                </a:solidFill>
-                <a:effectLst/>
-                <a:latin typeface="+mn-lt"/>
-                <a:ea typeface="+mn-ea"/>
-                <a:cs typeface="+mn-cs"/>
-              </a:defRPr>
-            </a:lvl1pPr>
-          </a:lstStyle>
-          <a:p>
-            <a:pPr lvl="0"/>
-            <a:r>
-              <a:rPr lang="en-US" dirty="0"/>
-              <a:t>Company Web Site</a:t>
-            </a:r>
-          </a:p>
-        </p:txBody>
-      </p:sp>
-    </p:spTree>
-    <p:extLst>
-      <p:ext uri="{BB962C8B-B14F-4D97-AF65-F5344CB8AC3E}">
-        <p14:creationId xmlns:p14="http://schemas.microsoft.com/office/powerpoint/2010/main" val="2760406504"/>
-      </p:ext>
-    </p:extLst>
-  </p:cSld>
-  <p:clrMapOvr>
-    <a:masterClrMapping/>
-  </p:clrMapOvr>
-</p:sldLayout>
-</file>
-
-<file path=ppt/slideLayouts/slideLayout6.xml><?xml version="1.0" encoding="utf-8"?>
-<p:sldLayout xmlns:a="http://schemas.openxmlformats.org/drawingml/2006/main" xmlns:r="http://schemas.openxmlformats.org/officeDocument/2006/relationships" xmlns:p="http://schemas.openxmlformats.org/presentationml/2006/main" preserve="1" userDrawn="1">
-  <p:cSld name="Title and Content">
-    <p:bg>
-      <p:bgPr>
-        <a:blipFill dpi="0" rotWithShape="1">
-          <a:blip r:embed="rId2">
-            <a:lum/>
-          </a:blip>
-          <a:srcRect/>
-          <a:stretch>
-            <a:fillRect/>
-          </a:stretch>
-        </a:blipFill>
-        <a:effectLst/>
-      </p:bgPr>
-    </p:bg>
-    <p:spTree>
-      <p:nvGrpSpPr>
-        <p:cNvPr id="1" name=""/>
-        <p:cNvGrpSpPr/>
-        <p:nvPr/>
-      </p:nvGrpSpPr>
-      <p:grpSpPr>
-        <a:xfrm>
-          <a:off x="0" y="0"/>
-          <a:ext cx="0" cy="0"/>
-          <a:chOff x="0" y="0"/>
-          <a:chExt cx="0" cy="0"/>
-        </a:xfrm>
-      </p:grpSpPr>
-      <p:sp>
-        <p:nvSpPr>
-          <p:cNvPr id="18" name="Date Placeholder 3"/>
-          <p:cNvSpPr>
-            <a:spLocks noGrp="1"/>
-          </p:cNvSpPr>
-          <p:nvPr>
-            <p:ph type="dt" sz="half" idx="2"/>
-          </p:nvPr>
-        </p:nvSpPr>
-        <p:spPr>
-          <a:xfrm>
-            <a:off x="188814" y="6525002"/>
-            <a:ext cx="1223999" cy="196477"/>
-          </a:xfrm>
-          <a:prstGeom prst="rect">
-            <a:avLst/>
-          </a:prstGeom>
-        </p:spPr>
-        <p:txBody>
-          <a:bodyPr vert="horz" lIns="36000" tIns="36000" rIns="36000" bIns="36000" rtlCol="0" anchor="ctr"/>
-          <a:lstStyle>
-            <a:lvl1pPr algn="l">
-              <a:defRPr sz="1000">
-                <a:solidFill>
-                  <a:schemeClr val="tx1">
-                    <a:tint val="75000"/>
-                  </a:schemeClr>
-                </a:solidFill>
-              </a:defRPr>
-            </a:lvl1pPr>
-          </a:lstStyle>
-          <a:p>
-            <a:fld id="{055373AC-9AA7-423B-BA00-BA1C74164DBD}" type="datetime1">
-              <a:rPr lang="en-US" smtClean="0">
-                <a:solidFill>
-                  <a:prstClr val="white">
-                    <a:tint val="75000"/>
-                  </a:prstClr>
-                </a:solidFill>
-              </a:rPr>
-              <a:pPr/>
-              <a:t>7/12/2017</a:t>
-            </a:fld>
-            <a:endParaRPr lang="en-US" dirty="0">
-              <a:solidFill>
-                <a:prstClr val="white">
-                  <a:tint val="75000"/>
-                </a:prstClr>
-              </a:solidFill>
-            </a:endParaRPr>
-          </a:p>
-        </p:txBody>
-      </p:sp>
-      <p:sp>
-        <p:nvSpPr>
-          <p:cNvPr id="19" name="Footer Placeholder 4"/>
-          <p:cNvSpPr>
-            <a:spLocks noGrp="1"/>
-          </p:cNvSpPr>
-          <p:nvPr>
-            <p:ph type="ftr" sz="quarter" idx="3"/>
-          </p:nvPr>
-        </p:nvSpPr>
-        <p:spPr>
-          <a:xfrm>
-            <a:off x="1414412" y="6525002"/>
-            <a:ext cx="10150400" cy="196477"/>
-          </a:xfrm>
-          <a:prstGeom prst="rect">
-            <a:avLst/>
-          </a:prstGeom>
-        </p:spPr>
-        <p:txBody>
-          <a:bodyPr vert="horz" lIns="36000" tIns="36000" rIns="36000" bIns="36000" rtlCol="0" anchor="ctr"/>
-          <a:lstStyle>
-            <a:lvl1pPr algn="ctr">
-              <a:defRPr sz="1000">
-                <a:solidFill>
-                  <a:schemeClr val="tx1">
-                    <a:tint val="75000"/>
-                  </a:schemeClr>
-                </a:solidFill>
-              </a:defRPr>
-            </a:lvl1pPr>
-          </a:lstStyle>
-          <a:p>
-            <a:endParaRPr lang="en-US" dirty="0">
-              <a:solidFill>
-                <a:prstClr val="white">
-                  <a:tint val="75000"/>
-                </a:prstClr>
-              </a:solidFill>
-            </a:endParaRPr>
-          </a:p>
-        </p:txBody>
-      </p:sp>
-      <p:sp>
-        <p:nvSpPr>
-          <p:cNvPr id="20" name="Slide Number Placeholder 5"/>
-          <p:cNvSpPr>
-            <a:spLocks noGrp="1"/>
-          </p:cNvSpPr>
-          <p:nvPr>
-            <p:ph type="sldNum" sz="quarter" idx="4"/>
-          </p:nvPr>
-        </p:nvSpPr>
-        <p:spPr>
-          <a:xfrm>
-            <a:off x="11566412" y="6525002"/>
-            <a:ext cx="428822" cy="196477"/>
-          </a:xfrm>
-          <a:prstGeom prst="rect">
-            <a:avLst/>
-          </a:prstGeom>
-        </p:spPr>
-        <p:txBody>
-          <a:bodyPr vert="horz" lIns="36000" tIns="36000" rIns="36000" bIns="36000" rtlCol="0" anchor="ctr"/>
-          <a:lstStyle>
-            <a:lvl1pPr algn="r">
-              <a:defRPr sz="1000">
-                <a:solidFill>
-                  <a:schemeClr val="tx1">
-                    <a:tint val="75000"/>
-                  </a:schemeClr>
-                </a:solidFill>
-              </a:defRPr>
-            </a:lvl1pPr>
-          </a:lstStyle>
-          <a:p>
-            <a:fld id="{C014DD1E-5D91-48A3-AD6D-45FBA980D106}" type="slidenum">
-              <a:rPr lang="en-US" smtClean="0">
-                <a:solidFill>
-                  <a:prstClr val="white">
-                    <a:tint val="75000"/>
-                  </a:prstClr>
-                </a:solidFill>
-              </a:rPr>
-              <a:pPr/>
-              <a:t>‹#›</a:t>
-            </a:fld>
-            <a:endParaRPr lang="en-US" dirty="0">
-              <a:solidFill>
-                <a:prstClr val="white">
-                  <a:tint val="75000"/>
-                </a:prstClr>
-              </a:solidFill>
-            </a:endParaRPr>
-          </a:p>
-        </p:txBody>
-      </p:sp>
-      <p:sp>
-        <p:nvSpPr>
-          <p:cNvPr id="22" name="Content Placeholder 2"/>
-          <p:cNvSpPr>
-            <a:spLocks noGrp="1"/>
-          </p:cNvSpPr>
-          <p:nvPr>
-            <p:ph idx="1" hasCustomPrompt="1"/>
-          </p:nvPr>
-        </p:nvSpPr>
-        <p:spPr>
-          <a:xfrm>
-            <a:off x="190413" y="1151121"/>
-            <a:ext cx="11804822" cy="5570355"/>
-          </a:xfrm>
-        </p:spPr>
-        <p:txBody>
-          <a:bodyPr/>
-          <a:lstStyle>
-            <a:lvl1pPr>
-              <a:defRPr sz="3400"/>
-            </a:lvl1pPr>
-            <a:lvl2pPr>
-              <a:defRPr sz="3200"/>
-            </a:lvl2pPr>
-            <a:lvl3pPr>
-              <a:defRPr sz="3000"/>
-            </a:lvl3pPr>
-            <a:lvl4pPr>
-              <a:defRPr sz="2800"/>
-            </a:lvl4pPr>
-            <a:lvl5pPr>
-              <a:defRPr sz="2600"/>
-            </a:lvl5pPr>
-            <a:lvl6pPr>
-              <a:defRPr/>
-            </a:lvl6pPr>
-            <a:lvl7pPr>
-              <a:defRPr/>
-            </a:lvl7pPr>
-            <a:lvl8pPr>
-              <a:defRPr/>
-            </a:lvl8pPr>
-            <a:lvl9pPr>
-              <a:defRPr/>
-            </a:lvl9pPr>
-          </a:lstStyle>
-          <a:p>
-            <a:pPr lvl="0"/>
-            <a:r>
-              <a:rPr lang="en-US" dirty="0"/>
-              <a:t>First Level</a:t>
-            </a:r>
-          </a:p>
-          <a:p>
-            <a:pPr lvl="1"/>
-            <a:r>
-              <a:rPr lang="en-US" dirty="0"/>
-              <a:t>Second Level</a:t>
-            </a:r>
-          </a:p>
-          <a:p>
-            <a:pPr lvl="2"/>
-            <a:r>
-              <a:rPr lang="en-US" dirty="0"/>
-              <a:t>Third Level</a:t>
-            </a:r>
-          </a:p>
-          <a:p>
-            <a:pPr lvl="3"/>
-            <a:r>
-              <a:rPr lang="en-US" dirty="0"/>
-              <a:t>Fourth Level</a:t>
-            </a:r>
-          </a:p>
-          <a:p>
-            <a:pPr lvl="4"/>
-            <a:r>
-              <a:rPr lang="en-US" dirty="0"/>
-              <a:t>Fifth Level`</a:t>
-            </a:r>
-            <a:endParaRPr dirty="0"/>
-          </a:p>
-        </p:txBody>
-      </p:sp>
-      <p:sp>
-        <p:nvSpPr>
-          <p:cNvPr id="2" name="Title 1"/>
-          <p:cNvSpPr>
-            <a:spLocks noGrp="1"/>
-          </p:cNvSpPr>
-          <p:nvPr>
-            <p:ph type="title" hasCustomPrompt="1"/>
-          </p:nvPr>
-        </p:nvSpPr>
-        <p:spPr>
-          <a:xfrm>
-            <a:off x="188815" y="40341"/>
-            <a:ext cx="9577597" cy="1110780"/>
-          </a:xfrm>
-        </p:spPr>
-        <p:txBody>
-          <a:bodyPr/>
-          <a:lstStyle>
-            <a:lvl1pPr>
-              <a:defRPr>
-                <a:solidFill>
-                  <a:srgbClr val="F3BE60"/>
-                </a:solidFill>
-                <a:effectLst/>
-              </a:defRPr>
-            </a:lvl1pPr>
-          </a:lstStyle>
-          <a:p>
-            <a:r>
-              <a:rPr lang="en-US" dirty="0"/>
-              <a:t>Slide Title</a:t>
-            </a:r>
-            <a:endParaRPr dirty="0"/>
-          </a:p>
-        </p:txBody>
-      </p:sp>
-      <p:pic>
-        <p:nvPicPr>
-          <p:cNvPr id="1026" name="Picture 2" descr="D:\_WORK PROJECTS\Nakov\Presentation Slides Design\STORE\Software University Foundation Logo BG and ENG black WHITOUT background CMYK.png"/>
-          <p:cNvPicPr>
-            <a:picLocks noChangeAspect="1" noChangeArrowheads="1"/>
-          </p:cNvPicPr>
-          <p:nvPr userDrawn="1"/>
-        </p:nvPicPr>
-        <p:blipFill>
-          <a:blip r:embed="rId3" cstate="print"/>
-          <a:srcRect/>
-          <a:stretch>
-            <a:fillRect/>
-          </a:stretch>
-        </p:blipFill>
-        <p:spPr bwMode="auto">
-          <a:xfrm>
-            <a:off x="9828212" y="228600"/>
-            <a:ext cx="2175525" cy="762000"/>
-          </a:xfrm>
-          <a:prstGeom prst="rect">
-            <a:avLst/>
-          </a:prstGeom>
-          <a:noFill/>
-        </p:spPr>
-      </p:pic>
-    </p:spTree>
-    <p:extLst>
-      <p:ext uri="{BB962C8B-B14F-4D97-AF65-F5344CB8AC3E}">
-        <p14:creationId xmlns:p14="http://schemas.microsoft.com/office/powerpoint/2010/main" val="3661788754"/>
-      </p:ext>
-    </p:extLst>
-  </p:cSld>
-  <p:clrMapOvr>
-    <a:masterClrMapping/>
-  </p:clrMapOvr>
-</p:sldLayout>
-</file>
-
-<file path=ppt/slideLayouts/slideLayout7.xml><?xml version="1.0" encoding="utf-8"?>
-<p:sldLayout xmlns:a="http://schemas.openxmlformats.org/drawingml/2006/main" xmlns:r="http://schemas.openxmlformats.org/officeDocument/2006/relationships" xmlns:p="http://schemas.openxmlformats.org/presentationml/2006/main" type="secHead" preserve="1">
-  <p:cSld name="Title Slide">
-    <p:bg>
-      <p:bgPr>
-        <a:blipFill dpi="0" rotWithShape="1">
-          <a:blip r:embed="rId2">
-            <a:lum/>
-          </a:blip>
-          <a:srcRect/>
-          <a:stretch>
-            <a:fillRect/>
-          </a:stretch>
-        </a:blipFill>
-        <a:effectLst/>
-      </p:bgPr>
-    </p:bg>
-    <p:spTree>
-      <p:nvGrpSpPr>
-        <p:cNvPr id="1" name=""/>
-        <p:cNvGrpSpPr/>
-        <p:nvPr/>
-      </p:nvGrpSpPr>
-      <p:grpSpPr>
-        <a:xfrm>
-          <a:off x="0" y="0"/>
-          <a:ext cx="0" cy="0"/>
-          <a:chOff x="0" y="0"/>
-          <a:chExt cx="0" cy="0"/>
-        </a:xfrm>
-      </p:grpSpPr>
-      <p:sp>
-        <p:nvSpPr>
-          <p:cNvPr id="2" name="Title 1"/>
-          <p:cNvSpPr>
-            <a:spLocks noGrp="1"/>
-          </p:cNvSpPr>
-          <p:nvPr>
-            <p:ph type="title" hasCustomPrompt="1"/>
-          </p:nvPr>
-        </p:nvSpPr>
-        <p:spPr>
-          <a:xfrm>
-            <a:off x="1446212" y="4953000"/>
-            <a:ext cx="8938472" cy="820600"/>
-          </a:xfrm>
-        </p:spPr>
-        <p:txBody>
-          <a:bodyPr lIns="36000" tIns="36000" rIns="36000" bIns="36000" anchor="b">
-            <a:spAutoFit/>
-          </a:bodyPr>
-          <a:lstStyle>
-            <a:lvl1pPr algn="ctr">
-              <a:defRPr sz="5400" b="1" cap="none" baseline="0"/>
-            </a:lvl1pPr>
-          </a:lstStyle>
-          <a:p>
-            <a:r>
-              <a:rPr lang="en-US" dirty="0"/>
-              <a:t>Click to Edit Section Title</a:t>
-            </a:r>
-            <a:endParaRPr dirty="0"/>
-          </a:p>
-        </p:txBody>
-      </p:sp>
-      <p:sp>
-        <p:nvSpPr>
-          <p:cNvPr id="3" name="Text Placeholder 2"/>
-          <p:cNvSpPr>
-            <a:spLocks noGrp="1"/>
-          </p:cNvSpPr>
-          <p:nvPr>
-            <p:ph type="body" idx="1" hasCustomPrompt="1"/>
-          </p:nvPr>
-        </p:nvSpPr>
-        <p:spPr>
-          <a:xfrm>
-            <a:off x="1446212" y="5754968"/>
-            <a:ext cx="8938472" cy="688256"/>
-          </a:xfrm>
-        </p:spPr>
-        <p:txBody>
-          <a:bodyPr lIns="36000" tIns="36000" rIns="36000" bIns="36000" anchor="t">
-            <a:spAutoFit/>
-          </a:bodyPr>
-          <a:lstStyle>
-            <a:lvl1pPr marL="0" indent="0" algn="ctr">
-              <a:spcBef>
-                <a:spcPts val="0"/>
-              </a:spcBef>
-              <a:buNone/>
-              <a:defRPr sz="4000" cap="none" spc="200" baseline="0">
-                <a:solidFill>
-                  <a:schemeClr val="accent1"/>
-                </a:solidFill>
-              </a:defRPr>
-            </a:lvl1pPr>
-            <a:lvl2pPr marL="609493" indent="0">
-              <a:buNone/>
-              <a:defRPr sz="2400">
-                <a:solidFill>
-                  <a:schemeClr val="tx1">
-                    <a:tint val="75000"/>
-                  </a:schemeClr>
-                </a:solidFill>
-              </a:defRPr>
-            </a:lvl2pPr>
-            <a:lvl3pPr marL="1218987" indent="0">
-              <a:buNone/>
-              <a:defRPr sz="2100">
-                <a:solidFill>
-                  <a:schemeClr val="tx1">
-                    <a:tint val="75000"/>
-                  </a:schemeClr>
-                </a:solidFill>
-              </a:defRPr>
-            </a:lvl3pPr>
-            <a:lvl4pPr marL="1828480" indent="0">
-              <a:buNone/>
-              <a:defRPr sz="1900">
-                <a:solidFill>
-                  <a:schemeClr val="tx1">
-                    <a:tint val="75000"/>
-                  </a:schemeClr>
-                </a:solidFill>
-              </a:defRPr>
-            </a:lvl4pPr>
-            <a:lvl5pPr marL="2437972" indent="0">
-              <a:buNone/>
-              <a:defRPr sz="1900">
-                <a:solidFill>
-                  <a:schemeClr val="tx1">
-                    <a:tint val="75000"/>
-                  </a:schemeClr>
-                </a:solidFill>
-              </a:defRPr>
-            </a:lvl5pPr>
-            <a:lvl6pPr marL="3047466" indent="0">
-              <a:buNone/>
-              <a:defRPr sz="1900">
-                <a:solidFill>
-                  <a:schemeClr val="tx1">
-                    <a:tint val="75000"/>
-                  </a:schemeClr>
-                </a:solidFill>
-              </a:defRPr>
-            </a:lvl6pPr>
-            <a:lvl7pPr marL="3656960" indent="0">
-              <a:buNone/>
-              <a:defRPr sz="1900">
-                <a:solidFill>
-                  <a:schemeClr val="tx1">
-                    <a:tint val="75000"/>
-                  </a:schemeClr>
-                </a:solidFill>
-              </a:defRPr>
-            </a:lvl7pPr>
-            <a:lvl8pPr marL="4266453" indent="0">
-              <a:buNone/>
-              <a:defRPr sz="1900">
-                <a:solidFill>
-                  <a:schemeClr val="tx1">
-                    <a:tint val="75000"/>
-                  </a:schemeClr>
-                </a:solidFill>
-              </a:defRPr>
-            </a:lvl8pPr>
-            <a:lvl9pPr marL="4875947" indent="0">
-              <a:buNone/>
-              <a:defRPr sz="1900">
-                <a:solidFill>
-                  <a:schemeClr val="tx1">
-                    <a:tint val="75000"/>
-                  </a:schemeClr>
-                </a:solidFill>
-              </a:defRPr>
-            </a:lvl9pPr>
-          </a:lstStyle>
-          <a:p>
-            <a:pPr lvl="0"/>
-            <a:r>
-              <a:rPr lang="en-US" dirty="0"/>
-              <a:t>Click to Edit Section Subtitle</a:t>
-            </a:r>
-          </a:p>
-        </p:txBody>
-      </p:sp>
-      <p:pic>
-        <p:nvPicPr>
-          <p:cNvPr id="9" name="Picture 2" descr="D:\_WORK PROJECTS\Nakov\Presentation Slides Design\STORE\Software University Foundation Logo BG and ENG black WHITOUT background CMYK.png"/>
-          <p:cNvPicPr>
-            <a:picLocks noChangeAspect="1" noChangeArrowheads="1"/>
-          </p:cNvPicPr>
-          <p:nvPr userDrawn="1"/>
-        </p:nvPicPr>
-        <p:blipFill>
-          <a:blip r:embed="rId3" cstate="print"/>
-          <a:srcRect/>
-          <a:stretch>
-            <a:fillRect/>
-          </a:stretch>
-        </p:blipFill>
-        <p:spPr bwMode="auto">
-          <a:xfrm>
-            <a:off x="9828212" y="228600"/>
-            <a:ext cx="2175525" cy="762000"/>
-          </a:xfrm>
-          <a:prstGeom prst="rect">
-            <a:avLst/>
-          </a:prstGeom>
-          <a:noFill/>
-        </p:spPr>
-      </p:pic>
-    </p:spTree>
-    <p:extLst>
-      <p:ext uri="{BB962C8B-B14F-4D97-AF65-F5344CB8AC3E}">
-        <p14:creationId xmlns:p14="http://schemas.microsoft.com/office/powerpoint/2010/main" val="3810285581"/>
-      </p:ext>
-    </p:extLst>
-  </p:cSld>
-  <p:clrMapOvr>
-    <a:masterClrMapping/>
-  </p:clrMapOvr>
-</p:sldLayout>
-</file>
-
-<file path=ppt/slideLayouts/slideLayout8.xml><?xml version="1.0" encoding="utf-8"?>
-<p:sldLayout xmlns:a="http://schemas.openxmlformats.org/drawingml/2006/main" xmlns:r="http://schemas.openxmlformats.org/officeDocument/2006/relationships" xmlns:p="http://schemas.openxmlformats.org/presentationml/2006/main" type="blank" preserve="1">
-  <p:cSld name="Blank Slide">
-    <p:bg>
-      <p:bgPr>
-        <a:blipFill dpi="0" rotWithShape="1">
-          <a:blip r:embed="rId2">
-            <a:lum/>
-          </a:blip>
-          <a:srcRect/>
-          <a:stretch>
-            <a:fillRect/>
-          </a:stretch>
-        </a:blipFill>
-        <a:effectLst/>
-      </p:bgPr>
-    </p:bg>
-    <p:spTree>
-      <p:nvGrpSpPr>
-        <p:cNvPr id="1" name=""/>
-        <p:cNvGrpSpPr/>
-        <p:nvPr/>
-      </p:nvGrpSpPr>
-      <p:grpSpPr>
-        <a:xfrm>
-          <a:off x="0" y="0"/>
-          <a:ext cx="0" cy="0"/>
-          <a:chOff x="0" y="0"/>
-          <a:chExt cx="0" cy="0"/>
-        </a:xfrm>
-      </p:grpSpPr>
-    </p:spTree>
-    <p:extLst>
-      <p:ext uri="{BB962C8B-B14F-4D97-AF65-F5344CB8AC3E}">
-        <p14:creationId xmlns:p14="http://schemas.microsoft.com/office/powerpoint/2010/main" val="1142524508"/>
-      </p:ext>
-    </p:extLst>
-  </p:cSld>
-  <p:clrMapOvr>
-    <a:masterClrMapping/>
-  </p:clrMapOvr>
-</p:sldLayout>
-</file>
-
-<file path=ppt/slideLayouts/slideLayout9.xml><?xml version="1.0" encoding="utf-8"?>
-<p:sldLayout xmlns:a="http://schemas.openxmlformats.org/drawingml/2006/main" xmlns:r="http://schemas.openxmlformats.org/officeDocument/2006/relationships" xmlns:p="http://schemas.openxmlformats.org/presentationml/2006/main" userDrawn="1">
-  <p:cSld name="Questions Slide">
-    <p:bg>
-      <p:bgPr>
-        <a:blipFill dpi="0" rotWithShape="1">
-          <a:blip r:embed="rId2" cstate="print">
-            <a:lum/>
-            <a:extLst>
-              <a:ext uri="{28A0092B-C50C-407E-A947-70E740481C1C}">
-                <a14:useLocalDpi xmlns:a14="http://schemas.microsoft.com/office/drawing/2010/main" val="0"/>
-              </a:ext>
-            </a:extLst>
-          </a:blip>
-          <a:srcRect/>
-          <a:stretch>
-            <a:fillRect/>
-          </a:stretch>
-        </a:blipFill>
-        <a:effectLst/>
-      </p:bgPr>
-    </p:bg>
-    <p:spTree>
-      <p:nvGrpSpPr>
-        <p:cNvPr id="1" name=""/>
-        <p:cNvGrpSpPr/>
-        <p:nvPr/>
-      </p:nvGrpSpPr>
-      <p:grpSpPr>
-        <a:xfrm>
-          <a:off x="0" y="0"/>
-          <a:ext cx="0" cy="0"/>
-          <a:chOff x="0" y="0"/>
-          <a:chExt cx="0" cy="0"/>
-        </a:xfrm>
-      </p:grpSpPr>
-      <p:sp>
-        <p:nvSpPr>
-          <p:cNvPr id="29" name="Text Placeholder 29"/>
-          <p:cNvSpPr>
-            <a:spLocks noGrp="1"/>
-          </p:cNvSpPr>
-          <p:nvPr>
-            <p:ph type="body" sz="quarter" idx="10" hasCustomPrompt="1"/>
-          </p:nvPr>
-        </p:nvSpPr>
-        <p:spPr>
-          <a:xfrm>
-            <a:off x="1529384" y="6400802"/>
-            <a:ext cx="10482604" cy="363552"/>
-          </a:xfrm>
-          <a:prstGeom prst="rect">
-            <a:avLst/>
-          </a:prstGeom>
-        </p:spPr>
-        <p:txBody>
-          <a:bodyPr wrap="square" lIns="36000" rIns="36000">
-            <a:spAutoFit/>
-          </a:bodyPr>
-          <a:lstStyle>
-            <a:lvl1pPr marL="0" indent="0" algn="r">
-              <a:buNone/>
-              <a:defRPr sz="1800">
-                <a:latin typeface="+mn-lt"/>
-              </a:defRPr>
-            </a:lvl1pPr>
-          </a:lstStyle>
-          <a:p>
-            <a:pPr lvl="0"/>
-            <a:r>
-              <a:rPr lang="en-US" dirty="0"/>
-              <a:t>Course Web Site</a:t>
-            </a:r>
-          </a:p>
-        </p:txBody>
-      </p:sp>
-      <p:pic>
-        <p:nvPicPr>
-          <p:cNvPr id="55" name="Picture 54"/>
-          <p:cNvPicPr>
-            <a:picLocks noChangeAspect="1"/>
-          </p:cNvPicPr>
-          <p:nvPr userDrawn="1"/>
-        </p:nvPicPr>
-        <p:blipFill>
-          <a:blip r:embed="rId3" cstate="print">
-            <a:extLst>
-              <a:ext uri="{28A0092B-C50C-407E-A947-70E740481C1C}">
-                <a14:useLocalDpi xmlns:a14="http://schemas.microsoft.com/office/drawing/2010/main" val="0"/>
-              </a:ext>
-            </a:extLst>
-          </a:blip>
-          <a:stretch>
-            <a:fillRect/>
-          </a:stretch>
-        </p:blipFill>
-        <p:spPr>
-          <a:xfrm>
-            <a:off x="9838412" y="261000"/>
-            <a:ext cx="2050131" cy="670675"/>
-          </a:xfrm>
-          <a:prstGeom prst="rect">
-            <a:avLst/>
-          </a:prstGeom>
-        </p:spPr>
-      </p:pic>
-      <p:sp>
-        <p:nvSpPr>
-          <p:cNvPr id="50" name="Title 1"/>
-          <p:cNvSpPr>
-            <a:spLocks noGrp="1"/>
-          </p:cNvSpPr>
-          <p:nvPr>
-            <p:ph type="title" hasCustomPrompt="1"/>
-          </p:nvPr>
-        </p:nvSpPr>
-        <p:spPr>
-          <a:xfrm>
-            <a:off x="188815" y="40341"/>
-            <a:ext cx="9577597" cy="1110780"/>
-          </a:xfrm>
-        </p:spPr>
-        <p:txBody>
-          <a:bodyPr/>
-          <a:lstStyle>
-            <a:lvl1pPr>
-              <a:defRPr>
-                <a:solidFill>
-                  <a:srgbClr val="F3BE60"/>
-                </a:solidFill>
-                <a:effectLst/>
-              </a:defRPr>
-            </a:lvl1pPr>
-          </a:lstStyle>
-          <a:p>
-            <a:r>
-              <a:rPr lang="en-US" dirty="0"/>
-              <a:t>Presentation Title</a:t>
-            </a:r>
-            <a:endParaRPr dirty="0"/>
-          </a:p>
-        </p:txBody>
-      </p:sp>
-      <p:sp>
-        <p:nvSpPr>
-          <p:cNvPr id="2" name="TextBox 1">
-            <a:hlinkClick r:id="rId4" tooltip="Software University - Quality Education, Profession and Job for Software Engineers"/>
-          </p:cNvPr>
-          <p:cNvSpPr txBox="1"/>
-          <p:nvPr userDrawn="1"/>
-        </p:nvSpPr>
-        <p:spPr>
-          <a:xfrm rot="322982">
-            <a:off x="10066442" y="2253546"/>
-            <a:ext cx="303288" cy="400110"/>
-          </a:xfrm>
-          <a:prstGeom prst="rect">
-            <a:avLst/>
-          </a:prstGeom>
-          <a:noFill/>
-        </p:spPr>
-        <p:txBody>
-          <a:bodyPr wrap="none" rtlCol="0">
-            <a:spAutoFit/>
-          </a:bodyPr>
-          <a:lstStyle/>
-          <a:p>
-            <a:r>
-              <a:rPr lang="en-US" sz="2000" b="1" dirty="0">
-                <a:solidFill>
-                  <a:srgbClr val="603A14"/>
-                </a:solidFill>
-              </a:rPr>
-              <a:t>?</a:t>
-            </a:r>
-          </a:p>
-        </p:txBody>
-      </p:sp>
-      <p:sp>
-        <p:nvSpPr>
-          <p:cNvPr id="27" name="TextBox 26">
-            <a:hlinkClick r:id="rId5" tooltip="Software University Foundaton"/>
-          </p:cNvPr>
-          <p:cNvSpPr txBox="1"/>
-          <p:nvPr userDrawn="1"/>
-        </p:nvSpPr>
-        <p:spPr>
-          <a:xfrm rot="20630519">
-            <a:off x="7568290" y="4341197"/>
-            <a:ext cx="303288" cy="400110"/>
-          </a:xfrm>
-          <a:prstGeom prst="rect">
-            <a:avLst/>
-          </a:prstGeom>
-          <a:noFill/>
-        </p:spPr>
-        <p:txBody>
-          <a:bodyPr wrap="none" rtlCol="0">
-            <a:spAutoFit/>
-          </a:bodyPr>
-          <a:lstStyle/>
-          <a:p>
-            <a:r>
-              <a:rPr lang="en-US" sz="2000" b="1" dirty="0">
-                <a:solidFill>
-                  <a:srgbClr val="603A14"/>
-                </a:solidFill>
-              </a:rPr>
-              <a:t>?</a:t>
-            </a:r>
-          </a:p>
-        </p:txBody>
-      </p:sp>
-      <p:sp>
-        <p:nvSpPr>
-          <p:cNvPr id="51" name="TextBox 50">
-            <a:hlinkClick r:id="rId6" tooltip="Svetlin Nakov - Programming and Education for Developers"/>
-          </p:cNvPr>
-          <p:cNvSpPr txBox="1"/>
-          <p:nvPr userDrawn="1"/>
-        </p:nvSpPr>
-        <p:spPr>
-          <a:xfrm>
-            <a:off x="11500162" y="4679637"/>
-            <a:ext cx="255198" cy="276999"/>
-          </a:xfrm>
-          <a:prstGeom prst="rect">
-            <a:avLst/>
-          </a:prstGeom>
-          <a:noFill/>
-        </p:spPr>
-        <p:txBody>
-          <a:bodyPr wrap="none" rtlCol="0">
-            <a:spAutoFit/>
-          </a:bodyPr>
-          <a:lstStyle/>
-          <a:p>
-            <a:r>
-              <a:rPr lang="en-US" sz="1200" dirty="0">
-                <a:solidFill>
-                  <a:srgbClr val="603A14"/>
-                </a:solidFill>
-              </a:rPr>
-              <a:t>?</a:t>
-            </a:r>
-          </a:p>
-        </p:txBody>
-      </p:sp>
-      <p:sp>
-        <p:nvSpPr>
-          <p:cNvPr id="52" name="TextBox 51">
-            <a:hlinkClick r:id="rId7" tooltip="Software University - Discussion Forum"/>
-          </p:cNvPr>
-          <p:cNvSpPr txBox="1"/>
-          <p:nvPr userDrawn="1"/>
-        </p:nvSpPr>
-        <p:spPr>
-          <a:xfrm rot="20971262">
-            <a:off x="6094412" y="6109081"/>
-            <a:ext cx="268022" cy="307777"/>
-          </a:xfrm>
-          <a:prstGeom prst="rect">
-            <a:avLst/>
-          </a:prstGeom>
-          <a:noFill/>
-        </p:spPr>
-        <p:txBody>
-          <a:bodyPr wrap="none" rtlCol="0">
-            <a:spAutoFit/>
-          </a:bodyPr>
-          <a:lstStyle/>
-          <a:p>
-            <a:r>
-              <a:rPr lang="en-US" sz="1400" dirty="0">
-                <a:solidFill>
-                  <a:srgbClr val="603A14"/>
-                </a:solidFill>
-              </a:rPr>
-              <a:t>?</a:t>
-            </a:r>
-          </a:p>
-        </p:txBody>
-      </p:sp>
-      <p:sp>
-        <p:nvSpPr>
-          <p:cNvPr id="53" name="TextBox 52">
-            <a:hlinkClick r:id="rId8" tooltip="Software University - Online Judge System"/>
-          </p:cNvPr>
-          <p:cNvSpPr txBox="1"/>
-          <p:nvPr userDrawn="1"/>
-        </p:nvSpPr>
-        <p:spPr>
-          <a:xfrm rot="569019">
-            <a:off x="9155998" y="4032736"/>
-            <a:ext cx="292068" cy="369332"/>
-          </a:xfrm>
-          <a:prstGeom prst="rect">
-            <a:avLst/>
-          </a:prstGeom>
-          <a:noFill/>
-        </p:spPr>
-        <p:txBody>
-          <a:bodyPr wrap="none" rtlCol="0">
-            <a:spAutoFit/>
-          </a:bodyPr>
-          <a:lstStyle/>
-          <a:p>
-            <a:r>
-              <a:rPr lang="en-US" sz="1800" b="1" dirty="0">
-                <a:solidFill>
-                  <a:srgbClr val="603A14"/>
-                </a:solidFill>
-              </a:rPr>
-              <a:t>?</a:t>
-            </a:r>
-          </a:p>
-        </p:txBody>
-      </p:sp>
-      <p:sp>
-        <p:nvSpPr>
-          <p:cNvPr id="54" name="TextBox 53">
-            <a:hlinkClick r:id="rId9" tooltip="Software University @ Facebook"/>
-          </p:cNvPr>
-          <p:cNvSpPr txBox="1"/>
-          <p:nvPr userDrawn="1"/>
-        </p:nvSpPr>
-        <p:spPr>
-          <a:xfrm rot="219682">
-            <a:off x="7047355" y="2560119"/>
-            <a:ext cx="327334" cy="461665"/>
-          </a:xfrm>
-          <a:prstGeom prst="rect">
-            <a:avLst/>
-          </a:prstGeom>
-          <a:noFill/>
-        </p:spPr>
-        <p:txBody>
-          <a:bodyPr wrap="none" rtlCol="0">
-            <a:spAutoFit/>
-          </a:bodyPr>
-          <a:lstStyle/>
-          <a:p>
-            <a:r>
-              <a:rPr lang="en-US" b="1" dirty="0">
-                <a:solidFill>
-                  <a:srgbClr val="603A14"/>
-                </a:solidFill>
-              </a:rPr>
-              <a:t>?</a:t>
-            </a:r>
-          </a:p>
-        </p:txBody>
-      </p:sp>
-      <p:sp>
-        <p:nvSpPr>
-          <p:cNvPr id="56" name="TextBox 55">
-            <a:hlinkClick r:id="rId10" tooltip="Software University @ Twitter"/>
-          </p:cNvPr>
-          <p:cNvSpPr txBox="1"/>
-          <p:nvPr userDrawn="1"/>
-        </p:nvSpPr>
-        <p:spPr>
-          <a:xfrm rot="20972266">
-            <a:off x="11754532" y="2320841"/>
-            <a:ext cx="268022" cy="307777"/>
-          </a:xfrm>
-          <a:prstGeom prst="rect">
-            <a:avLst/>
-          </a:prstGeom>
-          <a:noFill/>
-        </p:spPr>
-        <p:txBody>
-          <a:bodyPr wrap="none" rtlCol="0">
-            <a:spAutoFit/>
-          </a:bodyPr>
-          <a:lstStyle/>
-          <a:p>
-            <a:r>
-              <a:rPr lang="en-US" sz="1400" dirty="0">
-                <a:solidFill>
-                  <a:srgbClr val="603A14"/>
-                </a:solidFill>
-              </a:rPr>
-              <a:t>?</a:t>
-            </a:r>
-          </a:p>
-        </p:txBody>
-      </p:sp>
-      <p:sp>
-        <p:nvSpPr>
-          <p:cNvPr id="57" name="TextBox 56">
-            <a:hlinkClick r:id="rId11" tooltip="Software University @ YouTube - free training courses and video lessons for software engineers"/>
-          </p:cNvPr>
-          <p:cNvSpPr txBox="1"/>
-          <p:nvPr userDrawn="1"/>
-        </p:nvSpPr>
-        <p:spPr>
-          <a:xfrm rot="562174">
-            <a:off x="11774596" y="3447926"/>
-            <a:ext cx="255198" cy="276999"/>
-          </a:xfrm>
-          <a:prstGeom prst="rect">
-            <a:avLst/>
-          </a:prstGeom>
-          <a:noFill/>
-        </p:spPr>
-        <p:txBody>
-          <a:bodyPr wrap="none" rtlCol="0">
-            <a:spAutoFit/>
-          </a:bodyPr>
-          <a:lstStyle/>
-          <a:p>
-            <a:r>
-              <a:rPr lang="en-US" sz="1200" dirty="0">
-                <a:solidFill>
-                  <a:srgbClr val="603A14"/>
-                </a:solidFill>
-              </a:rPr>
-              <a:t>?</a:t>
-            </a:r>
-          </a:p>
-        </p:txBody>
-      </p:sp>
-      <p:sp>
-        <p:nvSpPr>
-          <p:cNvPr id="58" name="TextBox 57">
-            <a:hlinkClick r:id="rId12" tooltip="Programming Fundamentals Book and Vide Lessons: Learn C#, Programming, Data Structures, Algorithms and Quality Coding"/>
-          </p:cNvPr>
-          <p:cNvSpPr txBox="1"/>
-          <p:nvPr userDrawn="1"/>
-        </p:nvSpPr>
-        <p:spPr>
-          <a:xfrm rot="571210">
-            <a:off x="11136783" y="5625911"/>
-            <a:ext cx="268022" cy="307777"/>
-          </a:xfrm>
-          <a:prstGeom prst="rect">
-            <a:avLst/>
-          </a:prstGeom>
-          <a:noFill/>
-        </p:spPr>
-        <p:txBody>
-          <a:bodyPr wrap="none" rtlCol="0">
-            <a:spAutoFit/>
-          </a:bodyPr>
-          <a:lstStyle/>
-          <a:p>
-            <a:r>
-              <a:rPr lang="en-US" sz="1400" dirty="0">
-                <a:solidFill>
-                  <a:srgbClr val="603A14"/>
-                </a:solidFill>
-              </a:rPr>
-              <a:t>?</a:t>
-            </a:r>
-          </a:p>
-        </p:txBody>
-      </p:sp>
-      <p:pic>
-        <p:nvPicPr>
-          <p:cNvPr id="15" name="Picture 14"/>
-          <p:cNvPicPr>
-            <a:picLocks noChangeAspect="1"/>
-          </p:cNvPicPr>
-          <p:nvPr userDrawn="1"/>
-        </p:nvPicPr>
-        <p:blipFill>
-          <a:blip r:embed="rId13"/>
-          <a:stretch>
-            <a:fillRect/>
-          </a:stretch>
-        </p:blipFill>
-        <p:spPr>
-          <a:xfrm rot="20967714">
-            <a:off x="457076" y="2405125"/>
-            <a:ext cx="2338944" cy="2395502"/>
-          </a:xfrm>
-          <a:prstGeom prst="rect">
-            <a:avLst/>
-          </a:prstGeom>
-        </p:spPr>
-      </p:pic>
-      <p:sp>
-        <p:nvSpPr>
-          <p:cNvPr id="16" name="Rectangle 15"/>
-          <p:cNvSpPr/>
-          <p:nvPr userDrawn="1"/>
-        </p:nvSpPr>
-        <p:spPr>
-          <a:xfrm rot="20949717">
-            <a:off x="2718532" y="3306088"/>
-            <a:ext cx="4540980" cy="948072"/>
-          </a:xfrm>
-          <a:prstGeom prst="rect">
-            <a:avLst/>
-          </a:prstGeom>
-        </p:spPr>
-        <p:txBody>
-          <a:bodyPr wrap="none" lIns="0" tIns="0" rIns="0" bIns="0" anchor="ctr" anchorCtr="0">
-            <a:noAutofit/>
-            <a:scene3d>
-              <a:camera prst="orthographicFront"/>
-              <a:lightRig rig="soft" dir="t">
-                <a:rot lat="0" lon="0" rev="10800000"/>
-              </a:lightRig>
-            </a:scene3d>
-            <a:sp3d>
-              <a:bevelT w="27940" h="12700"/>
-              <a:contourClr>
-                <a:srgbClr val="DDDDDD"/>
-              </a:contourClr>
-            </a:sp3d>
-          </a:bodyPr>
-          <a:lstStyle/>
-          <a:p>
-            <a:pPr algn="ctr" eaLnBrk="0" hangingPunct="0">
-              <a:buClr>
-                <a:srgbClr val="A19574">
-                  <a:lumMod val="40000"/>
-                  <a:lumOff val="60000"/>
-                </a:srgbClr>
-              </a:buClr>
-              <a:buSzPct val="70000"/>
-              <a:buFont typeface="Wingdings 2" pitchFamily="18" charset="2"/>
-              <a:buNone/>
-            </a:pPr>
-            <a:r>
-              <a:rPr lang="en-US" sz="6600" b="1" dirty="0">
-                <a:solidFill>
-                  <a:srgbClr val="F3BE60"/>
-                </a:solidFill>
-              </a:rPr>
-              <a:t>Questions?</a:t>
-            </a:r>
-            <a:endParaRPr lang="en-US" sz="6600" b="1" spc="150" dirty="0">
-              <a:ln w="11430"/>
-              <a:solidFill>
-                <a:prstClr val="white">
-                  <a:lumMod val="40000"/>
-                  <a:lumOff val="60000"/>
-                </a:prstClr>
-              </a:solidFill>
-              <a:effectLst>
-                <a:outerShdw blurRad="25400" algn="tl" rotWithShape="0">
-                  <a:srgbClr val="000000">
-                    <a:alpha val="43000"/>
-                  </a:srgbClr>
-                </a:outerShdw>
-              </a:effectLst>
-            </a:endParaRPr>
-          </a:p>
-        </p:txBody>
-      </p:sp>
-    </p:spTree>
-    <p:extLst>
-      <p:ext uri="{BB962C8B-B14F-4D97-AF65-F5344CB8AC3E}">
-        <p14:creationId xmlns:p14="http://schemas.microsoft.com/office/powerpoint/2010/main" val="2961394076"/>
-      </p:ext>
-    </p:extLst>
-  </p:cSld>
-  <p:clrMapOvr>
-    <a:masterClrMapping/>
-  </p:clrMapOvr>
-</p:sldLayout>
-</file>
-
 <file path=ppt/slideMasters/slideMaster1.xml><?xml version="1.0" encoding="utf-8"?>
 <p:sldMaster xmlns:a="http://schemas.openxmlformats.org/drawingml/2006/main" xmlns:r="http://schemas.openxmlformats.org/officeDocument/2006/relationships" xmlns:p="http://schemas.openxmlformats.org/presentationml/2006/main">
   <p:cSld>
@@ -4477,649 +2336,6 @@
     <p:sldLayoutId id="2147483662" r:id="rId2"/>
     <p:sldLayoutId id="2147483663" r:id="rId3"/>
     <p:sldLayoutId id="2147483667" r:id="rId4"/>
-  </p:sldLayoutIdLst>
-  <p:hf hdr="0" ftr="0" dt="0"/>
-  <p:txStyles>
-    <p:titleStyle>
-      <a:lvl1pPr algn="l" defTabSz="1218987" rtl="0" eaLnBrk="1" latinLnBrk="0" hangingPunct="1">
-        <a:lnSpc>
-          <a:spcPct val="90000"/>
-        </a:lnSpc>
-        <a:spcBef>
-          <a:spcPct val="0"/>
-        </a:spcBef>
-        <a:buNone/>
-        <a:defRPr sz="4000" b="1" kern="1200">
-          <a:solidFill>
-            <a:srgbClr val="F3BE60"/>
-          </a:solidFill>
-          <a:latin typeface="+mj-lt"/>
-          <a:ea typeface="+mj-ea"/>
-          <a:cs typeface="+mj-cs"/>
-        </a:defRPr>
-      </a:lvl1pPr>
-    </p:titleStyle>
-    <p:bodyStyle>
-      <a:lvl1pPr marL="304747" indent="-304747" algn="l" defTabSz="1218987" rtl="0" eaLnBrk="1" latinLnBrk="0" hangingPunct="1">
-        <a:lnSpc>
-          <a:spcPct val="105000"/>
-        </a:lnSpc>
-        <a:spcBef>
-          <a:spcPts val="600"/>
-        </a:spcBef>
-        <a:spcAft>
-          <a:spcPts val="600"/>
-        </a:spcAft>
-        <a:buClr>
-          <a:srgbClr val="F2B254"/>
-        </a:buClr>
-        <a:buSzPct val="100000"/>
-        <a:buFont typeface="Wingdings" panose="05000000000000000000" pitchFamily="2" charset="2"/>
-        <a:buChar char="§"/>
-        <a:defRPr sz="3400" b="0" kern="1200">
-          <a:solidFill>
-            <a:schemeClr val="tx1"/>
-          </a:solidFill>
-          <a:latin typeface="+mn-lt"/>
-          <a:ea typeface="+mn-ea"/>
-          <a:cs typeface="+mn-cs"/>
-        </a:defRPr>
-      </a:lvl1pPr>
-      <a:lvl2pPr marL="609493" indent="-231606" algn="l" defTabSz="1218987" rtl="0" eaLnBrk="1" latinLnBrk="0" hangingPunct="1">
-        <a:lnSpc>
-          <a:spcPct val="105000"/>
-        </a:lnSpc>
-        <a:spcBef>
-          <a:spcPts val="600"/>
-        </a:spcBef>
-        <a:spcAft>
-          <a:spcPts val="600"/>
-        </a:spcAft>
-        <a:buClr>
-          <a:schemeClr val="accent1"/>
-        </a:buClr>
-        <a:buSzPct val="80000"/>
-        <a:buFont typeface="Wingdings" panose="05000000000000000000" pitchFamily="2" charset="2"/>
-        <a:buChar char="§"/>
-        <a:defRPr sz="3200" b="0" kern="1200">
-          <a:solidFill>
-            <a:schemeClr val="tx1"/>
-          </a:solidFill>
-          <a:latin typeface="+mn-lt"/>
-          <a:ea typeface="+mn-ea"/>
-          <a:cs typeface="+mn-cs"/>
-        </a:defRPr>
-      </a:lvl2pPr>
-      <a:lvl3pPr marL="914240" indent="-231606" algn="l" defTabSz="1218987" rtl="0" eaLnBrk="1" latinLnBrk="0" hangingPunct="1">
-        <a:lnSpc>
-          <a:spcPct val="105000"/>
-        </a:lnSpc>
-        <a:spcBef>
-          <a:spcPts val="600"/>
-        </a:spcBef>
-        <a:spcAft>
-          <a:spcPts val="600"/>
-        </a:spcAft>
-        <a:buClr>
-          <a:srgbClr val="EF9A1D"/>
-        </a:buClr>
-        <a:buSzPct val="80000"/>
-        <a:buFont typeface="Wingdings" panose="05000000000000000000" pitchFamily="2" charset="2"/>
-        <a:buChar char="§"/>
-        <a:defRPr sz="3000" b="0" kern="1200">
-          <a:solidFill>
-            <a:schemeClr val="tx1"/>
-          </a:solidFill>
-          <a:latin typeface="+mn-lt"/>
-          <a:ea typeface="+mn-ea"/>
-          <a:cs typeface="+mn-cs"/>
-        </a:defRPr>
-      </a:lvl3pPr>
-      <a:lvl4pPr marL="1218987" indent="-231606" algn="l" defTabSz="1218987" rtl="0" eaLnBrk="1" latinLnBrk="0" hangingPunct="1">
-        <a:lnSpc>
-          <a:spcPct val="105000"/>
-        </a:lnSpc>
-        <a:spcBef>
-          <a:spcPts val="600"/>
-        </a:spcBef>
-        <a:spcAft>
-          <a:spcPts val="600"/>
-        </a:spcAft>
-        <a:buClr>
-          <a:srgbClr val="ED9411"/>
-        </a:buClr>
-        <a:buSzPct val="80000"/>
-        <a:buFont typeface="Wingdings" panose="05000000000000000000" pitchFamily="2" charset="2"/>
-        <a:buChar char="§"/>
-        <a:defRPr sz="2800" b="0" kern="1200">
-          <a:solidFill>
-            <a:schemeClr val="tx1"/>
-          </a:solidFill>
-          <a:latin typeface="+mn-lt"/>
-          <a:ea typeface="+mn-ea"/>
-          <a:cs typeface="+mn-cs"/>
-        </a:defRPr>
-      </a:lvl4pPr>
-      <a:lvl5pPr marL="1523733" indent="-231606" algn="l" defTabSz="1218987" rtl="0" eaLnBrk="1" latinLnBrk="0" hangingPunct="1">
-        <a:lnSpc>
-          <a:spcPct val="105000"/>
-        </a:lnSpc>
-        <a:spcBef>
-          <a:spcPts val="600"/>
-        </a:spcBef>
-        <a:spcAft>
-          <a:spcPts val="600"/>
-        </a:spcAft>
-        <a:buClr>
-          <a:srgbClr val="E28D10"/>
-        </a:buClr>
-        <a:buSzPct val="80000"/>
-        <a:buFont typeface="Wingdings" panose="05000000000000000000" pitchFamily="2" charset="2"/>
-        <a:buChar char="§"/>
-        <a:defRPr sz="2600" b="0" kern="1200">
-          <a:solidFill>
-            <a:schemeClr val="tx1"/>
-          </a:solidFill>
-          <a:latin typeface="+mn-lt"/>
-          <a:ea typeface="+mn-ea"/>
-          <a:cs typeface="+mn-cs"/>
-        </a:defRPr>
-      </a:lvl5pPr>
-      <a:lvl6pPr marL="1828480" indent="-231606" algn="l" defTabSz="1218987" rtl="0" eaLnBrk="1" latinLnBrk="0" hangingPunct="1">
-        <a:lnSpc>
-          <a:spcPct val="90000"/>
-        </a:lnSpc>
-        <a:spcBef>
-          <a:spcPts val="800"/>
-        </a:spcBef>
-        <a:buClr>
-          <a:schemeClr val="accent1"/>
-        </a:buClr>
-        <a:buSzPct val="80000"/>
-        <a:buFont typeface="Arial" pitchFamily="34" charset="0"/>
-        <a:buChar char="•"/>
-        <a:defRPr sz="2000" kern="1200">
-          <a:solidFill>
-            <a:schemeClr val="tx1"/>
-          </a:solidFill>
-          <a:latin typeface="+mn-lt"/>
-          <a:ea typeface="+mn-ea"/>
-          <a:cs typeface="+mn-cs"/>
-        </a:defRPr>
-      </a:lvl6pPr>
-      <a:lvl7pPr marL="2133227" indent="-231606" algn="l" defTabSz="1218987" rtl="0" eaLnBrk="1" latinLnBrk="0" hangingPunct="1">
-        <a:lnSpc>
-          <a:spcPct val="90000"/>
-        </a:lnSpc>
-        <a:spcBef>
-          <a:spcPts val="800"/>
-        </a:spcBef>
-        <a:buClr>
-          <a:schemeClr val="accent1"/>
-        </a:buClr>
-        <a:buSzPct val="80000"/>
-        <a:buFont typeface="Arial" pitchFamily="34" charset="0"/>
-        <a:buChar char="•"/>
-        <a:defRPr sz="2000" kern="1200">
-          <a:solidFill>
-            <a:schemeClr val="tx1"/>
-          </a:solidFill>
-          <a:latin typeface="+mn-lt"/>
-          <a:ea typeface="+mn-ea"/>
-          <a:cs typeface="+mn-cs"/>
-        </a:defRPr>
-      </a:lvl7pPr>
-      <a:lvl8pPr marL="2437972" indent="-231606" algn="l" defTabSz="1218987" rtl="0" eaLnBrk="1" latinLnBrk="0" hangingPunct="1">
-        <a:lnSpc>
-          <a:spcPct val="90000"/>
-        </a:lnSpc>
-        <a:spcBef>
-          <a:spcPts val="800"/>
-        </a:spcBef>
-        <a:buClr>
-          <a:schemeClr val="accent1"/>
-        </a:buClr>
-        <a:buSzPct val="80000"/>
-        <a:buFont typeface="Arial" pitchFamily="34" charset="0"/>
-        <a:buChar char="•"/>
-        <a:defRPr sz="2000" kern="1200" baseline="0">
-          <a:solidFill>
-            <a:schemeClr val="tx1"/>
-          </a:solidFill>
-          <a:latin typeface="+mn-lt"/>
-          <a:ea typeface="+mn-ea"/>
-          <a:cs typeface="+mn-cs"/>
-        </a:defRPr>
-      </a:lvl8pPr>
-      <a:lvl9pPr marL="2742720" indent="-231606" algn="l" defTabSz="1218987" rtl="0" eaLnBrk="1" latinLnBrk="0" hangingPunct="1">
-        <a:lnSpc>
-          <a:spcPct val="90000"/>
-        </a:lnSpc>
-        <a:spcBef>
-          <a:spcPts val="800"/>
-        </a:spcBef>
-        <a:buClr>
-          <a:schemeClr val="accent1"/>
-        </a:buClr>
-        <a:buSzPct val="80000"/>
-        <a:buFont typeface="Arial" pitchFamily="34" charset="0"/>
-        <a:buChar char="•"/>
-        <a:defRPr sz="2000" kern="1200" baseline="0">
-          <a:solidFill>
-            <a:schemeClr val="tx1"/>
-          </a:solidFill>
-          <a:latin typeface="+mn-lt"/>
-          <a:ea typeface="+mn-ea"/>
-          <a:cs typeface="+mn-cs"/>
-        </a:defRPr>
-      </a:lvl9pPr>
-    </p:bodyStyle>
-    <p:otherStyle>
-      <a:defPPr>
-        <a:defRPr/>
-      </a:defPPr>
-      <a:lvl1pPr marL="0" algn="l" defTabSz="1218987" rtl="0" eaLnBrk="1" latinLnBrk="0" hangingPunct="1">
-        <a:defRPr sz="2400" kern="1200">
-          <a:solidFill>
-            <a:schemeClr val="tx1"/>
-          </a:solidFill>
-          <a:latin typeface="+mn-lt"/>
-          <a:ea typeface="+mn-ea"/>
-          <a:cs typeface="+mn-cs"/>
-        </a:defRPr>
-      </a:lvl1pPr>
-      <a:lvl2pPr marL="609493" algn="l" defTabSz="1218987" rtl="0" eaLnBrk="1" latinLnBrk="0" hangingPunct="1">
-        <a:defRPr sz="2400" kern="1200">
-          <a:solidFill>
-            <a:schemeClr val="tx1"/>
-          </a:solidFill>
-          <a:latin typeface="+mn-lt"/>
-          <a:ea typeface="+mn-ea"/>
-          <a:cs typeface="+mn-cs"/>
-        </a:defRPr>
-      </a:lvl2pPr>
-      <a:lvl3pPr marL="1218987" algn="l" defTabSz="1218987" rtl="0" eaLnBrk="1" latinLnBrk="0" hangingPunct="1">
-        <a:defRPr sz="2400" kern="1200">
-          <a:solidFill>
-            <a:schemeClr val="tx1"/>
-          </a:solidFill>
-          <a:latin typeface="+mn-lt"/>
-          <a:ea typeface="+mn-ea"/>
-          <a:cs typeface="+mn-cs"/>
-        </a:defRPr>
-      </a:lvl3pPr>
-      <a:lvl4pPr marL="1828480" algn="l" defTabSz="1218987" rtl="0" eaLnBrk="1" latinLnBrk="0" hangingPunct="1">
-        <a:defRPr sz="2400" kern="1200">
-          <a:solidFill>
-            <a:schemeClr val="tx1"/>
-          </a:solidFill>
-          <a:latin typeface="+mn-lt"/>
-          <a:ea typeface="+mn-ea"/>
-          <a:cs typeface="+mn-cs"/>
-        </a:defRPr>
-      </a:lvl4pPr>
-      <a:lvl5pPr marL="2437972" algn="l" defTabSz="1218987" rtl="0" eaLnBrk="1" latinLnBrk="0" hangingPunct="1">
-        <a:defRPr sz="2400" kern="1200">
-          <a:solidFill>
-            <a:schemeClr val="tx1"/>
-          </a:solidFill>
-          <a:latin typeface="+mn-lt"/>
-          <a:ea typeface="+mn-ea"/>
-          <a:cs typeface="+mn-cs"/>
-        </a:defRPr>
-      </a:lvl5pPr>
-      <a:lvl6pPr marL="3047466" algn="l" defTabSz="1218987" rtl="0" eaLnBrk="1" latinLnBrk="0" hangingPunct="1">
-        <a:defRPr sz="2400" kern="1200">
-          <a:solidFill>
-            <a:schemeClr val="tx1"/>
-          </a:solidFill>
-          <a:latin typeface="+mn-lt"/>
-          <a:ea typeface="+mn-ea"/>
-          <a:cs typeface="+mn-cs"/>
-        </a:defRPr>
-      </a:lvl6pPr>
-      <a:lvl7pPr marL="3656960" algn="l" defTabSz="1218987" rtl="0" eaLnBrk="1" latinLnBrk="0" hangingPunct="1">
-        <a:defRPr sz="2400" kern="1200">
-          <a:solidFill>
-            <a:schemeClr val="tx1"/>
-          </a:solidFill>
-          <a:latin typeface="+mn-lt"/>
-          <a:ea typeface="+mn-ea"/>
-          <a:cs typeface="+mn-cs"/>
-        </a:defRPr>
-      </a:lvl7pPr>
-      <a:lvl8pPr marL="4266453" algn="l" defTabSz="1218987" rtl="0" eaLnBrk="1" latinLnBrk="0" hangingPunct="1">
-        <a:defRPr sz="2400" kern="1200">
-          <a:solidFill>
-            <a:schemeClr val="tx1"/>
-          </a:solidFill>
-          <a:latin typeface="+mn-lt"/>
-          <a:ea typeface="+mn-ea"/>
-          <a:cs typeface="+mn-cs"/>
-        </a:defRPr>
-      </a:lvl8pPr>
-      <a:lvl9pPr marL="4875947" algn="l" defTabSz="1218987" rtl="0" eaLnBrk="1" latinLnBrk="0" hangingPunct="1">
-        <a:defRPr sz="2400" kern="1200">
-          <a:solidFill>
-            <a:schemeClr val="tx1"/>
-          </a:solidFill>
-          <a:latin typeface="+mn-lt"/>
-          <a:ea typeface="+mn-ea"/>
-          <a:cs typeface="+mn-cs"/>
-        </a:defRPr>
-      </a:lvl9pPr>
-    </p:otherStyle>
-  </p:txStyles>
-  <p:extLst mod="1">
-    <p:ext uri="{27BBF7A9-308A-43DC-89C8-2F10F3537804}">
-      <p15:sldGuideLst xmlns:p15="http://schemas.microsoft.com/office/powerpoint/2012/main">
-        <p15:guide id="1" orient="horz" pos="2160" userDrawn="1">
-          <p15:clr>
-            <a:srgbClr val="F26B43"/>
-          </p15:clr>
-        </p15:guide>
-        <p15:guide id="2" pos="1843" userDrawn="1">
-          <p15:clr>
-            <a:srgbClr val="F26B43"/>
-          </p15:clr>
-        </p15:guide>
-      </p15:sldGuideLst>
-    </p:ext>
-  </p:extLst>
-</p:sldMaster>
-</file>
-
-<file path=ppt/slideMasters/slideMaster2.xml><?xml version="1.0" encoding="utf-8"?>
-<p:sldMaster xmlns:a="http://schemas.openxmlformats.org/drawingml/2006/main" xmlns:r="http://schemas.openxmlformats.org/officeDocument/2006/relationships" xmlns:p="http://schemas.openxmlformats.org/presentationml/2006/main">
-  <p:cSld>
-    <p:bg>
-      <p:bgPr>
-        <a:blipFill dpi="0" rotWithShape="1">
-          <a:blip r:embed="rId7">
-            <a:lum/>
-          </a:blip>
-          <a:srcRect/>
-          <a:stretch>
-            <a:fillRect/>
-          </a:stretch>
-        </a:blipFill>
-        <a:effectLst/>
-      </p:bgPr>
-    </p:bg>
-    <p:spTree>
-      <p:nvGrpSpPr>
-        <p:cNvPr id="1" name=""/>
-        <p:cNvGrpSpPr/>
-        <p:nvPr/>
-      </p:nvGrpSpPr>
-      <p:grpSpPr>
-        <a:xfrm>
-          <a:off x="0" y="0"/>
-          <a:ext cx="0" cy="0"/>
-          <a:chOff x="0" y="0"/>
-          <a:chExt cx="0" cy="0"/>
-        </a:xfrm>
-      </p:grpSpPr>
-      <p:sp>
-        <p:nvSpPr>
-          <p:cNvPr id="4" name="Date Placeholder 3"/>
-          <p:cNvSpPr>
-            <a:spLocks noGrp="1"/>
-          </p:cNvSpPr>
-          <p:nvPr>
-            <p:ph type="dt" sz="half" idx="2"/>
-          </p:nvPr>
-        </p:nvSpPr>
-        <p:spPr>
-          <a:xfrm>
-            <a:off x="188814" y="6525002"/>
-            <a:ext cx="1223999" cy="196477"/>
-          </a:xfrm>
-          <a:prstGeom prst="rect">
-            <a:avLst/>
-          </a:prstGeom>
-        </p:spPr>
-        <p:txBody>
-          <a:bodyPr vert="horz" lIns="36000" tIns="36000" rIns="36000" bIns="36000" rtlCol="0" anchor="ctr"/>
-          <a:lstStyle>
-            <a:lvl1pPr algn="l">
-              <a:defRPr sz="1000">
-                <a:solidFill>
-                  <a:schemeClr val="tx1">
-                    <a:tint val="75000"/>
-                  </a:schemeClr>
-                </a:solidFill>
-              </a:defRPr>
-            </a:lvl1pPr>
-          </a:lstStyle>
-          <a:p>
-            <a:fld id="{055373AC-9AA7-423B-BA00-BA1C74164DBD}" type="datetime1">
-              <a:rPr lang="en-US" smtClean="0">
-                <a:solidFill>
-                  <a:prstClr val="white">
-                    <a:tint val="75000"/>
-                  </a:prstClr>
-                </a:solidFill>
-              </a:rPr>
-              <a:pPr/>
-              <a:t>7/12/2017</a:t>
-            </a:fld>
-            <a:endParaRPr lang="en-US" dirty="0">
-              <a:solidFill>
-                <a:prstClr val="white">
-                  <a:tint val="75000"/>
-                </a:prstClr>
-              </a:solidFill>
-            </a:endParaRPr>
-          </a:p>
-        </p:txBody>
-      </p:sp>
-      <p:sp>
-        <p:nvSpPr>
-          <p:cNvPr id="5" name="Footer Placeholder 4"/>
-          <p:cNvSpPr>
-            <a:spLocks noGrp="1"/>
-          </p:cNvSpPr>
-          <p:nvPr>
-            <p:ph type="ftr" sz="quarter" idx="3"/>
-          </p:nvPr>
-        </p:nvSpPr>
-        <p:spPr>
-          <a:xfrm>
-            <a:off x="1414412" y="6525002"/>
-            <a:ext cx="10150400" cy="196477"/>
-          </a:xfrm>
-          <a:prstGeom prst="rect">
-            <a:avLst/>
-          </a:prstGeom>
-        </p:spPr>
-        <p:txBody>
-          <a:bodyPr vert="horz" lIns="36000" tIns="36000" rIns="36000" bIns="36000" rtlCol="0" anchor="ctr"/>
-          <a:lstStyle>
-            <a:lvl1pPr algn="ctr">
-              <a:defRPr sz="1000">
-                <a:solidFill>
-                  <a:schemeClr val="tx1">
-                    <a:tint val="75000"/>
-                  </a:schemeClr>
-                </a:solidFill>
-              </a:defRPr>
-            </a:lvl1pPr>
-          </a:lstStyle>
-          <a:p>
-            <a:endParaRPr lang="en-US" dirty="0">
-              <a:solidFill>
-                <a:prstClr val="white">
-                  <a:tint val="75000"/>
-                </a:prstClr>
-              </a:solidFill>
-            </a:endParaRPr>
-          </a:p>
-        </p:txBody>
-      </p:sp>
-      <p:sp>
-        <p:nvSpPr>
-          <p:cNvPr id="6" name="Slide Number Placeholder 5"/>
-          <p:cNvSpPr>
-            <a:spLocks noGrp="1"/>
-          </p:cNvSpPr>
-          <p:nvPr>
-            <p:ph type="sldNum" sz="quarter" idx="4"/>
-          </p:nvPr>
-        </p:nvSpPr>
-        <p:spPr>
-          <a:xfrm>
-            <a:off x="11566412" y="6525002"/>
-            <a:ext cx="428822" cy="196477"/>
-          </a:xfrm>
-          <a:prstGeom prst="rect">
-            <a:avLst/>
-          </a:prstGeom>
-        </p:spPr>
-        <p:txBody>
-          <a:bodyPr vert="horz" lIns="36000" tIns="36000" rIns="36000" bIns="36000" rtlCol="0" anchor="ctr"/>
-          <a:lstStyle>
-            <a:lvl1pPr algn="r">
-              <a:defRPr sz="1000">
-                <a:solidFill>
-                  <a:schemeClr val="tx1">
-                    <a:tint val="75000"/>
-                  </a:schemeClr>
-                </a:solidFill>
-              </a:defRPr>
-            </a:lvl1pPr>
-          </a:lstStyle>
-          <a:p>
-            <a:fld id="{C014DD1E-5D91-48A3-AD6D-45FBA980D106}" type="slidenum">
-              <a:rPr lang="en-US" smtClean="0">
-                <a:solidFill>
-                  <a:prstClr val="white">
-                    <a:tint val="75000"/>
-                  </a:prstClr>
-                </a:solidFill>
-              </a:rPr>
-              <a:pPr/>
-              <a:t>‹#›</a:t>
-            </a:fld>
-            <a:endParaRPr lang="en-US" dirty="0">
-              <a:solidFill>
-                <a:prstClr val="white">
-                  <a:tint val="75000"/>
-                </a:prstClr>
-              </a:solidFill>
-            </a:endParaRPr>
-          </a:p>
-        </p:txBody>
-      </p:sp>
-      <p:sp>
-        <p:nvSpPr>
-          <p:cNvPr id="2" name="Title Placeholder 1"/>
-          <p:cNvSpPr>
-            <a:spLocks noGrp="1"/>
-          </p:cNvSpPr>
-          <p:nvPr>
-            <p:ph type="title"/>
-          </p:nvPr>
-        </p:nvSpPr>
-        <p:spPr>
-          <a:xfrm>
-            <a:off x="190403" y="39574"/>
-            <a:ext cx="11806432" cy="1111549"/>
-          </a:xfrm>
-          <a:prstGeom prst="rect">
-            <a:avLst/>
-          </a:prstGeom>
-        </p:spPr>
-        <p:txBody>
-          <a:bodyPr vert="horz" lIns="108000" tIns="36000" rIns="108000" bIns="36000" rtlCol="0" anchor="ctr" anchorCtr="0">
-            <a:normAutofit/>
-          </a:bodyPr>
-          <a:lstStyle/>
-          <a:p>
-            <a:r>
-              <a:rPr lang="en-US" dirty="0"/>
-              <a:t>Click to Edit Master Title Style</a:t>
-            </a:r>
-            <a:endParaRPr dirty="0"/>
-          </a:p>
-        </p:txBody>
-      </p:sp>
-      <p:sp>
-        <p:nvSpPr>
-          <p:cNvPr id="3" name="Text Placeholder 2"/>
-          <p:cNvSpPr>
-            <a:spLocks noGrp="1"/>
-          </p:cNvSpPr>
-          <p:nvPr>
-            <p:ph type="body" idx="1"/>
-          </p:nvPr>
-        </p:nvSpPr>
-        <p:spPr>
-          <a:xfrm>
-            <a:off x="190413" y="1151123"/>
-            <a:ext cx="11804822" cy="5570353"/>
-          </a:xfrm>
-          <a:prstGeom prst="rect">
-            <a:avLst/>
-          </a:prstGeom>
-        </p:spPr>
-        <p:txBody>
-          <a:bodyPr vert="horz" lIns="108000" tIns="36000" rIns="108000" bIns="36000" rtlCol="0">
-            <a:normAutofit/>
-          </a:bodyPr>
-          <a:lstStyle/>
-          <a:p>
-            <a:pPr lvl="0"/>
-            <a:r>
-              <a:rPr lang="en-US" dirty="0"/>
-              <a:t>First Level</a:t>
-            </a:r>
-          </a:p>
-          <a:p>
-            <a:pPr lvl="1"/>
-            <a:r>
-              <a:rPr lang="en-US" dirty="0"/>
-              <a:t>Second Level</a:t>
-            </a:r>
-          </a:p>
-          <a:p>
-            <a:pPr lvl="2"/>
-            <a:r>
-              <a:rPr lang="en-US" dirty="0"/>
-              <a:t>Third Level</a:t>
-            </a:r>
-          </a:p>
-          <a:p>
-            <a:pPr lvl="3"/>
-            <a:r>
-              <a:rPr lang="en-US" dirty="0"/>
-              <a:t>Fourth Level</a:t>
-            </a:r>
-          </a:p>
-          <a:p>
-            <a:pPr lvl="4"/>
-            <a:r>
-              <a:rPr lang="en-US" dirty="0"/>
-              <a:t>Fifth Level</a:t>
-            </a:r>
-            <a:endParaRPr dirty="0"/>
-          </a:p>
-        </p:txBody>
-      </p:sp>
-    </p:spTree>
-    <p:extLst>
-      <p:ext uri="{BB962C8B-B14F-4D97-AF65-F5344CB8AC3E}">
-        <p14:creationId xmlns:p14="http://schemas.microsoft.com/office/powerpoint/2010/main" val="1202852049"/>
-      </p:ext>
-    </p:extLst>
-  </p:cSld>
-  <p:clrMap bg1="dk1" tx1="lt1" bg2="dk2" tx2="lt2" accent1="accent1" accent2="accent2" accent3="accent3" accent4="accent4" accent5="accent5" accent6="accent6" hlink="hlink" folHlink="folHlink"/>
-  <p:sldLayoutIdLst>
-    <p:sldLayoutId id="2147483674" r:id="rId1"/>
-    <p:sldLayoutId id="2147483675" r:id="rId2"/>
-    <p:sldLayoutId id="2147483676" r:id="rId3"/>
-    <p:sldLayoutId id="2147483677" r:id="rId4"/>
-    <p:sldLayoutId id="2147483678" r:id="rId5"/>
   </p:sldLayoutIdLst>
   <p:hf hdr="0" ftr="0" dt="0"/>
   <p:txStyles>
@@ -14444,114 +11660,6 @@
       </p:grpSpPr>
       <p:sp>
         <p:nvSpPr>
-          <p:cNvPr id="2" name="Title 1"/>
-          <p:cNvSpPr>
-            <a:spLocks noGrp="1"/>
-          </p:cNvSpPr>
-          <p:nvPr>
-            <p:ph type="title"/>
-          </p:nvPr>
-        </p:nvSpPr>
-        <p:spPr>
-          <a:xfrm>
-            <a:off x="912813" y="4934390"/>
-            <a:ext cx="10363200" cy="820600"/>
-          </a:xfrm>
-        </p:spPr>
-        <p:txBody>
-          <a:bodyPr/>
-          <a:lstStyle/>
-          <a:p>
-            <a:r>
-              <a:rPr lang="en-US" dirty="0"/>
-              <a:t>Lists – Exercises</a:t>
-            </a:r>
-          </a:p>
-        </p:txBody>
-      </p:sp>
-      <p:sp>
-        <p:nvSpPr>
-          <p:cNvPr id="6" name="Text Placeholder 5"/>
-          <p:cNvSpPr>
-            <a:spLocks noGrp="1"/>
-          </p:cNvSpPr>
-          <p:nvPr>
-            <p:ph type="body" idx="1"/>
-          </p:nvPr>
-        </p:nvSpPr>
-        <p:spPr>
-          <a:xfrm>
-            <a:off x="912813" y="5834166"/>
-            <a:ext cx="10363200" cy="719034"/>
-          </a:xfrm>
-        </p:spPr>
-        <p:txBody>
-          <a:bodyPr/>
-          <a:lstStyle/>
-          <a:p>
-            <a:r>
-              <a:rPr lang="en-US" dirty="0"/>
-              <a:t>Live Exercises in Class (Lab)</a:t>
-            </a:r>
-          </a:p>
-        </p:txBody>
-      </p:sp>
-      <p:pic>
-        <p:nvPicPr>
-          <p:cNvPr id="14" name="Picture 13"/>
-          <p:cNvPicPr>
-            <a:picLocks noChangeAspect="1"/>
-          </p:cNvPicPr>
-          <p:nvPr/>
-        </p:nvPicPr>
-        <p:blipFill>
-          <a:blip r:embed="rId2"/>
-          <a:stretch>
-            <a:fillRect/>
-          </a:stretch>
-        </p:blipFill>
-        <p:spPr>
-          <a:xfrm>
-            <a:off x="4519186" y="990600"/>
-            <a:ext cx="3524026" cy="3637568"/>
-          </a:xfrm>
-          <a:prstGeom prst="rect">
-            <a:avLst/>
-          </a:prstGeom>
-        </p:spPr>
-      </p:pic>
-    </p:spTree>
-    <p:extLst>
-      <p:ext uri="{BB962C8B-B14F-4D97-AF65-F5344CB8AC3E}">
-        <p14:creationId xmlns:p14="http://schemas.microsoft.com/office/powerpoint/2010/main" val="323557285"/>
-      </p:ext>
-    </p:extLst>
-  </p:cSld>
-  <p:clrMapOvr>
-    <a:masterClrMapping/>
-  </p:clrMapOvr>
-</p:sld>
-</file>
-
-<file path=ppt/slides/slide19.xml><?xml version="1.0" encoding="utf-8"?>
-<p:sld xmlns:a="http://schemas.openxmlformats.org/drawingml/2006/main" xmlns:r="http://schemas.openxmlformats.org/officeDocument/2006/relationships" xmlns:p="http://schemas.openxmlformats.org/presentationml/2006/main">
-  <p:cSld>
-    <p:spTree>
-      <p:nvGrpSpPr>
-        <p:cNvPr id="1" name=""/>
-        <p:cNvGrpSpPr/>
-        <p:nvPr/>
-      </p:nvGrpSpPr>
-      <p:grpSpPr>
-        <a:xfrm>
-          <a:off x="0" y="0"/>
-          <a:ext cx="0" cy="0"/>
-          <a:chOff x="0" y="0"/>
-          <a:chExt cx="0" cy="0"/>
-        </a:xfrm>
-      </p:grpSpPr>
-      <p:sp>
-        <p:nvSpPr>
           <p:cNvPr id="6" name="Slide Number Placeholder 5"/>
           <p:cNvSpPr>
             <a:spLocks noGrp="1"/>
@@ -14568,7 +11676,7 @@
             <a:fld id="{C014DD1E-5D91-48A3-AD6D-45FBA980D106}" type="slidenum">
               <a:rPr lang="en-US" smtClean="0"/>
               <a:pPr/>
-              <a:t>19</a:t>
+              <a:t>18</a:t>
             </a:fld>
             <a:endParaRPr lang="en-US" dirty="0"/>
           </a:p>
@@ -16831,970 +13939,6 @@
       <p:bldP spid="3" grpId="0" build="p"/>
     </p:bldLst>
   </p:timing>
-</p:sld>
-</file>
-
-<file path=ppt/slides/slide20.xml><?xml version="1.0" encoding="utf-8"?>
-<p:sld xmlns:a="http://schemas.openxmlformats.org/drawingml/2006/main" xmlns:r="http://schemas.openxmlformats.org/officeDocument/2006/relationships" xmlns:p="http://schemas.openxmlformats.org/presentationml/2006/main">
-  <p:cSld>
-    <p:spTree>
-      <p:nvGrpSpPr>
-        <p:cNvPr id="1" name=""/>
-        <p:cNvGrpSpPr/>
-        <p:nvPr/>
-      </p:nvGrpSpPr>
-      <p:grpSpPr>
-        <a:xfrm>
-          <a:off x="0" y="0"/>
-          <a:ext cx="0" cy="0"/>
-          <a:chOff x="0" y="0"/>
-          <a:chExt cx="0" cy="0"/>
-        </a:xfrm>
-      </p:grpSpPr>
-      <p:sp>
-        <p:nvSpPr>
-          <p:cNvPr id="11" name="Title 10"/>
-          <p:cNvSpPr>
-            <a:spLocks noGrp="1"/>
-          </p:cNvSpPr>
-          <p:nvPr>
-            <p:ph type="title"/>
-          </p:nvPr>
-        </p:nvSpPr>
-        <p:spPr/>
-        <p:txBody>
-          <a:bodyPr>
-            <a:normAutofit/>
-          </a:bodyPr>
-          <a:lstStyle/>
-          <a:p>
-            <a:r>
-              <a:rPr lang="en-US" dirty="0"/>
-              <a:t>Lists</a:t>
-            </a:r>
-          </a:p>
-        </p:txBody>
-      </p:sp>
-      <p:sp>
-        <p:nvSpPr>
-          <p:cNvPr id="3" name="Text Placeholder 2"/>
-          <p:cNvSpPr>
-            <a:spLocks noGrp="1"/>
-          </p:cNvSpPr>
-          <p:nvPr>
-            <p:ph type="body" sz="quarter" idx="10"/>
-          </p:nvPr>
-        </p:nvSpPr>
-        <p:spPr>
-          <a:xfrm>
-            <a:off x="1529384" y="6400802"/>
-            <a:ext cx="10482604" cy="363552"/>
-          </a:xfrm>
-        </p:spPr>
-        <p:txBody>
-          <a:bodyPr/>
-          <a:lstStyle/>
-          <a:p>
-            <a:r>
-              <a:rPr lang="en-US" dirty="0">
-                <a:hlinkClick r:id="rId3"/>
-              </a:rPr>
-              <a:t>https://softuni.bg/courses/programming-fundamentals</a:t>
-            </a:r>
-            <a:endParaRPr lang="en-US" dirty="0"/>
-          </a:p>
-        </p:txBody>
-      </p:sp>
-      <p:pic>
-        <p:nvPicPr>
-          <p:cNvPr id="13" name="Picture 12">
-            <a:hlinkClick r:id="rId4"/>
-          </p:cNvPr>
-          <p:cNvPicPr>
-            <a:picLocks noChangeAspect="1"/>
-          </p:cNvPicPr>
-          <p:nvPr/>
-        </p:nvPicPr>
-        <p:blipFill rotWithShape="1">
-          <a:blip r:embed="rId5"/>
-          <a:srcRect l="-16203" r="-16203"/>
-          <a:stretch/>
-        </p:blipFill>
-        <p:spPr>
-          <a:xfrm>
-            <a:off x="303212" y="1246226"/>
-            <a:ext cx="2763622" cy="957764"/>
-          </a:xfrm>
-          <a:prstGeom prst="roundRect">
-            <a:avLst>
-              <a:gd name="adj" fmla="val 3159"/>
-            </a:avLst>
-          </a:prstGeom>
-          <a:solidFill>
-            <a:schemeClr val="tx1"/>
-          </a:solidFill>
-        </p:spPr>
-      </p:pic>
-      <p:pic>
-        <p:nvPicPr>
-          <p:cNvPr id="14" name="Picture 13">
-            <a:hlinkClick r:id="rId6"/>
-          </p:cNvPr>
-          <p:cNvPicPr>
-            <a:picLocks noChangeAspect="1"/>
-          </p:cNvPicPr>
-          <p:nvPr/>
-        </p:nvPicPr>
-        <p:blipFill rotWithShape="1">
-          <a:blip r:embed="rId7"/>
-          <a:srcRect l="-5908" r="-5908"/>
-          <a:stretch/>
-        </p:blipFill>
-        <p:spPr>
-          <a:xfrm>
-            <a:off x="3787285" y="1254944"/>
-            <a:ext cx="2763621" cy="949046"/>
-          </a:xfrm>
-          <a:prstGeom prst="roundRect">
-            <a:avLst>
-              <a:gd name="adj" fmla="val 3159"/>
-            </a:avLst>
-          </a:prstGeom>
-          <a:solidFill>
-            <a:schemeClr val="tx1"/>
-          </a:solidFill>
-        </p:spPr>
-      </p:pic>
-      <p:pic>
-        <p:nvPicPr>
-          <p:cNvPr id="16" name="Picture 15">
-            <a:hlinkClick r:id="rId8"/>
-          </p:cNvPr>
-          <p:cNvPicPr>
-            <a:picLocks noChangeAspect="1"/>
-          </p:cNvPicPr>
-          <p:nvPr/>
-        </p:nvPicPr>
-        <p:blipFill rotWithShape="1">
-          <a:blip r:embed="rId9"/>
-          <a:srcRect l="-25003" r="-25003"/>
-          <a:stretch/>
-        </p:blipFill>
-        <p:spPr>
-          <a:xfrm>
-            <a:off x="7271357" y="4002018"/>
-            <a:ext cx="4614255" cy="949046"/>
-          </a:xfrm>
-          <a:prstGeom prst="roundRect">
-            <a:avLst>
-              <a:gd name="adj" fmla="val 2953"/>
-            </a:avLst>
-          </a:prstGeom>
-          <a:solidFill>
-            <a:schemeClr val="tx1"/>
-          </a:solidFill>
-        </p:spPr>
-      </p:pic>
-      <p:pic>
-        <p:nvPicPr>
-          <p:cNvPr id="17" name="Picture 16">
-            <a:hlinkClick r:id="rId10"/>
-          </p:cNvPr>
-          <p:cNvPicPr>
-            <a:picLocks noChangeAspect="1"/>
-          </p:cNvPicPr>
-          <p:nvPr/>
-        </p:nvPicPr>
-        <p:blipFill rotWithShape="1">
-          <a:blip r:embed="rId11"/>
-          <a:srcRect l="-705" r="-705"/>
-          <a:stretch/>
-        </p:blipFill>
-        <p:spPr>
-          <a:xfrm>
-            <a:off x="7271357" y="5375554"/>
-            <a:ext cx="4614255" cy="949046"/>
-          </a:xfrm>
-          <a:prstGeom prst="roundRect">
-            <a:avLst>
-              <a:gd name="adj" fmla="val 3159"/>
-            </a:avLst>
-          </a:prstGeom>
-          <a:solidFill>
-            <a:schemeClr val="tx1"/>
-          </a:solidFill>
-        </p:spPr>
-      </p:pic>
-      <p:pic>
-        <p:nvPicPr>
-          <p:cNvPr id="18" name="Picture 17">
-            <a:hlinkClick r:id="rId12"/>
-          </p:cNvPr>
-          <p:cNvPicPr>
-            <a:picLocks noChangeAspect="1"/>
-          </p:cNvPicPr>
-          <p:nvPr/>
-        </p:nvPicPr>
-        <p:blipFill rotWithShape="1">
-          <a:blip r:embed="rId13"/>
-          <a:srcRect t="-66530" b="-59505"/>
-          <a:stretch/>
-        </p:blipFill>
-        <p:spPr>
-          <a:xfrm>
-            <a:off x="7271357" y="2619763"/>
-            <a:ext cx="4614255" cy="957764"/>
-          </a:xfrm>
-          <a:prstGeom prst="roundRect">
-            <a:avLst>
-              <a:gd name="adj" fmla="val 3159"/>
-            </a:avLst>
-          </a:prstGeom>
-          <a:solidFill>
-            <a:schemeClr val="tx1"/>
-          </a:solidFill>
-        </p:spPr>
-      </p:pic>
-      <p:pic>
-        <p:nvPicPr>
-          <p:cNvPr id="20" name="Picture 19">
-            <a:hlinkClick r:id="rId14"/>
-          </p:cNvPr>
-          <p:cNvPicPr>
-            <a:picLocks noChangeAspect="1"/>
-          </p:cNvPicPr>
-          <p:nvPr/>
-        </p:nvPicPr>
-        <p:blipFill rotWithShape="1">
-          <a:blip r:embed="rId15"/>
-          <a:srcRect l="-14709" r="-14709"/>
-          <a:stretch/>
-        </p:blipFill>
-        <p:spPr>
-          <a:xfrm>
-            <a:off x="303212" y="5375554"/>
-            <a:ext cx="2763622" cy="949046"/>
-          </a:xfrm>
-          <a:prstGeom prst="roundRect">
-            <a:avLst>
-              <a:gd name="adj" fmla="val 3159"/>
-            </a:avLst>
-          </a:prstGeom>
-          <a:solidFill>
-            <a:schemeClr val="tx1"/>
-          </a:solidFill>
-        </p:spPr>
-      </p:pic>
-      <p:pic>
-        <p:nvPicPr>
-          <p:cNvPr id="21" name="Picture 20">
-            <a:hlinkClick r:id="rId16"/>
-          </p:cNvPr>
-          <p:cNvPicPr>
-            <a:picLocks noChangeAspect="1"/>
-          </p:cNvPicPr>
-          <p:nvPr/>
-        </p:nvPicPr>
-        <p:blipFill>
-          <a:blip r:embed="rId17"/>
-          <a:stretch>
-            <a:fillRect/>
-          </a:stretch>
-        </p:blipFill>
-        <p:spPr>
-          <a:xfrm>
-            <a:off x="3787284" y="5375554"/>
-            <a:ext cx="2763622" cy="949046"/>
-          </a:xfrm>
-          <a:prstGeom prst="roundRect">
-            <a:avLst>
-              <a:gd name="adj" fmla="val 3159"/>
-            </a:avLst>
-          </a:prstGeom>
-        </p:spPr>
-      </p:pic>
-      <p:pic>
-        <p:nvPicPr>
-          <p:cNvPr id="24" name="Picture 23">
-            <a:hlinkClick r:id="rId18"/>
-          </p:cNvPr>
-          <p:cNvPicPr>
-            <a:picLocks noChangeAspect="1"/>
-          </p:cNvPicPr>
-          <p:nvPr/>
-        </p:nvPicPr>
-        <p:blipFill rotWithShape="1">
-          <a:blip r:embed="rId19"/>
-          <a:srcRect l="-9951" r="-9951"/>
-          <a:stretch/>
-        </p:blipFill>
-        <p:spPr>
-          <a:xfrm>
-            <a:off x="7271357" y="1246226"/>
-            <a:ext cx="4614254" cy="949046"/>
-          </a:xfrm>
-          <a:prstGeom prst="roundRect">
-            <a:avLst>
-              <a:gd name="adj" fmla="val 3159"/>
-            </a:avLst>
-          </a:prstGeom>
-          <a:solidFill>
-            <a:schemeClr val="tx1"/>
-          </a:solidFill>
-        </p:spPr>
-      </p:pic>
-    </p:spTree>
-    <p:extLst>
-      <p:ext uri="{BB962C8B-B14F-4D97-AF65-F5344CB8AC3E}">
-        <p14:creationId xmlns:p14="http://schemas.microsoft.com/office/powerpoint/2010/main" val="1102596617"/>
-      </p:ext>
-    </p:extLst>
-  </p:cSld>
-  <p:clrMapOvr>
-    <a:masterClrMapping/>
-  </p:clrMapOvr>
-</p:sld>
-</file>
-
-<file path=ppt/slides/slide21.xml><?xml version="1.0" encoding="utf-8"?>
-<p:sld xmlns:a="http://schemas.openxmlformats.org/drawingml/2006/main" xmlns:r="http://schemas.openxmlformats.org/officeDocument/2006/relationships" xmlns:p="http://schemas.openxmlformats.org/presentationml/2006/main">
-  <p:cSld>
-    <p:spTree>
-      <p:nvGrpSpPr>
-        <p:cNvPr id="1" name=""/>
-        <p:cNvGrpSpPr/>
-        <p:nvPr/>
-      </p:nvGrpSpPr>
-      <p:grpSpPr>
-        <a:xfrm>
-          <a:off x="0" y="0"/>
-          <a:ext cx="0" cy="0"/>
-          <a:chOff x="0" y="0"/>
-          <a:chExt cx="0" cy="0"/>
-        </a:xfrm>
-      </p:grpSpPr>
-      <p:sp>
-        <p:nvSpPr>
-          <p:cNvPr id="2" name="Title 1"/>
-          <p:cNvSpPr>
-            <a:spLocks noGrp="1"/>
-          </p:cNvSpPr>
-          <p:nvPr>
-            <p:ph type="title"/>
-          </p:nvPr>
-        </p:nvSpPr>
-        <p:spPr/>
-        <p:txBody>
-          <a:bodyPr>
-            <a:normAutofit/>
-          </a:bodyPr>
-          <a:lstStyle/>
-          <a:p>
-            <a:r>
-              <a:rPr lang="en-US" dirty="0"/>
-              <a:t>License</a:t>
-            </a:r>
-          </a:p>
-        </p:txBody>
-      </p:sp>
-      <p:sp>
-        <p:nvSpPr>
-          <p:cNvPr id="3" name="Content Placeholder 2"/>
-          <p:cNvSpPr>
-            <a:spLocks noGrp="1"/>
-          </p:cNvSpPr>
-          <p:nvPr>
-            <p:ph idx="4294967295"/>
-          </p:nvPr>
-        </p:nvSpPr>
-        <p:spPr>
-          <a:xfrm>
-            <a:off x="190413" y="1151121"/>
-            <a:ext cx="11804822" cy="5570355"/>
-          </a:xfrm>
-        </p:spPr>
-        <p:txBody>
-          <a:bodyPr>
-            <a:normAutofit/>
-          </a:bodyPr>
-          <a:lstStyle/>
-          <a:p>
-            <a:r>
-              <a:rPr lang="en-US" dirty="0"/>
-              <a:t>This course (slides, examples, demos, videos, homework, etc.)</a:t>
-            </a:r>
-            <a:br>
-              <a:rPr lang="en-US" dirty="0"/>
-            </a:br>
-            <a:r>
-              <a:rPr lang="en-US" dirty="0"/>
-              <a:t>is licensed under the "</a:t>
-            </a:r>
-            <a:r>
-              <a:rPr lang="en-US" dirty="0">
-                <a:hlinkClick r:id="rId3"/>
-              </a:rPr>
-              <a:t>Creative Commons </a:t>
-            </a:r>
-            <a:r>
-              <a:rPr lang="en-US" noProof="1">
-                <a:hlinkClick r:id="rId3"/>
-              </a:rPr>
-              <a:t>Attribution-NonCommercial-ShareAlike</a:t>
-            </a:r>
-            <a:r>
-              <a:rPr lang="en-US" dirty="0">
-                <a:hlinkClick r:id="rId3"/>
-              </a:rPr>
-              <a:t> 4.0 International</a:t>
-            </a:r>
-            <a:r>
-              <a:rPr lang="en-US" dirty="0"/>
-              <a:t>" license</a:t>
-            </a:r>
-            <a:endParaRPr lang="bg-BG" dirty="0"/>
-          </a:p>
-          <a:p>
-            <a:endParaRPr lang="bg-BG" sz="2400" dirty="0"/>
-          </a:p>
-          <a:p>
-            <a:endParaRPr lang="bg-BG" sz="2400" dirty="0"/>
-          </a:p>
-          <a:p>
-            <a:endParaRPr lang="bg-BG" sz="2400" dirty="0"/>
-          </a:p>
-          <a:p>
-            <a:pPr>
-              <a:spcBef>
-                <a:spcPts val="2400"/>
-              </a:spcBef>
-            </a:pPr>
-            <a:r>
-              <a:rPr lang="en-US" sz="2400" dirty="0"/>
-              <a:t>Attribution: this work may contain portions from</a:t>
-            </a:r>
-          </a:p>
-          <a:p>
-            <a:pPr lvl="1"/>
-            <a:r>
-              <a:rPr lang="en-US" sz="2000" dirty="0"/>
-              <a:t>"</a:t>
-            </a:r>
-            <a:r>
-              <a:rPr lang="en-US" sz="2000" dirty="0">
-                <a:hlinkClick r:id="rId4"/>
-              </a:rPr>
-              <a:t>Fundamentals of Computer Programming with C#</a:t>
-            </a:r>
-            <a:r>
-              <a:rPr lang="en-US" sz="2000" dirty="0"/>
-              <a:t>" book by Svetlin Nakov &amp; Co. under </a:t>
-            </a:r>
-            <a:r>
-              <a:rPr lang="en-US" sz="2000" dirty="0">
-                <a:hlinkClick r:id="rId5"/>
-              </a:rPr>
-              <a:t>CC-BY-SA</a:t>
-            </a:r>
-            <a:r>
-              <a:rPr lang="en-US" sz="2000" dirty="0"/>
-              <a:t> license</a:t>
-            </a:r>
-          </a:p>
-        </p:txBody>
-      </p:sp>
-      <p:sp>
-        <p:nvSpPr>
-          <p:cNvPr id="4" name="Slide Number Placeholder 3"/>
-          <p:cNvSpPr>
-            <a:spLocks noGrp="1"/>
-          </p:cNvSpPr>
-          <p:nvPr>
-            <p:ph type="sldNum" sz="quarter" idx="4"/>
-          </p:nvPr>
-        </p:nvSpPr>
-        <p:spPr>
-          <a:xfrm>
-            <a:off x="11566412" y="6525002"/>
-            <a:ext cx="428822" cy="196477"/>
-          </a:xfrm>
-        </p:spPr>
-        <p:txBody>
-          <a:bodyPr/>
-          <a:lstStyle/>
-          <a:p>
-            <a:fld id="{C014DD1E-5D91-48A3-AD6D-45FBA980D106}" type="slidenum">
-              <a:rPr lang="en-US" smtClean="0"/>
-              <a:pPr/>
-              <a:t>21</a:t>
-            </a:fld>
-            <a:endParaRPr lang="en-US" dirty="0"/>
-          </a:p>
-        </p:txBody>
-      </p:sp>
-      <p:pic>
-        <p:nvPicPr>
-          <p:cNvPr id="8" name="Picture 4">
-            <a:hlinkClick r:id="rId3" tooltip="This work is licensed under the &quot;Creative Commons Attribution-NonCommercial-ShareAlike 4.0 International&quot; license"/>
-          </p:cNvPr>
-          <p:cNvPicPr>
-            <a:picLocks noChangeAspect="1" noChangeArrowheads="1"/>
-          </p:cNvPicPr>
-          <p:nvPr/>
-        </p:nvPicPr>
-        <p:blipFill>
-          <a:blip r:embed="rId6">
-            <a:extLst>
-              <a:ext uri="{28A0092B-C50C-407E-A947-70E740481C1C}">
-                <a14:useLocalDpi xmlns:a14="http://schemas.microsoft.com/office/drawing/2010/main"/>
-              </a:ext>
-            </a:extLst>
-          </a:blip>
-          <a:srcRect/>
-          <a:stretch>
-            <a:fillRect/>
-          </a:stretch>
-        </p:blipFill>
-        <p:spPr bwMode="auto">
-          <a:xfrm>
-            <a:off x="4507637" y="3309768"/>
-            <a:ext cx="3170776" cy="1109380"/>
-          </a:xfrm>
-          <a:prstGeom prst="roundRect">
-            <a:avLst>
-              <a:gd name="adj" fmla="val 4326"/>
-            </a:avLst>
-          </a:prstGeom>
-          <a:noFill/>
-          <a:ln>
-            <a:solidFill>
-              <a:schemeClr val="accent2">
-                <a:lumMod val="75000"/>
-              </a:schemeClr>
-            </a:solidFill>
-          </a:ln>
-          <a:extLst>
-            <a:ext uri="{909E8E84-426E-40DD-AFC4-6F175D3DCCD1}">
-              <a14:hiddenFill xmlns:a14="http://schemas.microsoft.com/office/drawing/2010/main">
-                <a:solidFill>
-                  <a:srgbClr val="FFFFFF"/>
-                </a:solidFill>
-              </a14:hiddenFill>
-            </a:ext>
-          </a:extLst>
-        </p:spPr>
-      </p:pic>
-    </p:spTree>
-    <p:extLst>
-      <p:ext uri="{BB962C8B-B14F-4D97-AF65-F5344CB8AC3E}">
-        <p14:creationId xmlns:p14="http://schemas.microsoft.com/office/powerpoint/2010/main" val="92647416"/>
-      </p:ext>
-    </p:extLst>
-  </p:cSld>
-  <p:clrMapOvr>
-    <a:masterClrMapping/>
-  </p:clrMapOvr>
-</p:sld>
-</file>
-
-<file path=ppt/slides/slide22.xml><?xml version="1.0" encoding="utf-8"?>
-<p:sld xmlns:a="http://schemas.openxmlformats.org/drawingml/2006/main" xmlns:r="http://schemas.openxmlformats.org/officeDocument/2006/relationships" xmlns:p="http://schemas.openxmlformats.org/presentationml/2006/main">
-  <p:cSld>
-    <p:spTree>
-      <p:nvGrpSpPr>
-        <p:cNvPr id="1" name=""/>
-        <p:cNvGrpSpPr/>
-        <p:nvPr/>
-      </p:nvGrpSpPr>
-      <p:grpSpPr>
-        <a:xfrm>
-          <a:off x="0" y="0"/>
-          <a:ext cx="0" cy="0"/>
-          <a:chOff x="0" y="0"/>
-          <a:chExt cx="0" cy="0"/>
-        </a:xfrm>
-      </p:grpSpPr>
-      <p:sp>
-        <p:nvSpPr>
-          <p:cNvPr id="3" name="Title 2"/>
-          <p:cNvSpPr>
-            <a:spLocks noGrp="1"/>
-          </p:cNvSpPr>
-          <p:nvPr>
-            <p:ph type="title" idx="4294967295"/>
-          </p:nvPr>
-        </p:nvSpPr>
-        <p:spPr>
-          <a:xfrm>
-            <a:off x="259899" y="103056"/>
-            <a:ext cx="9074150" cy="936625"/>
-          </a:xfrm>
-        </p:spPr>
-        <p:txBody>
-          <a:bodyPr>
-            <a:normAutofit/>
-          </a:bodyPr>
-          <a:lstStyle/>
-          <a:p>
-            <a:r>
-              <a:rPr lang="en-US" dirty="0"/>
-              <a:t>Trainings @ Software University</a:t>
-            </a:r>
-          </a:p>
-        </p:txBody>
-      </p:sp>
-      <p:sp>
-        <p:nvSpPr>
-          <p:cNvPr id="4" name="Content Placeholder 3"/>
-          <p:cNvSpPr>
-            <a:spLocks noGrp="1"/>
-          </p:cNvSpPr>
-          <p:nvPr>
-            <p:ph idx="4294967295"/>
-          </p:nvPr>
-        </p:nvSpPr>
-        <p:spPr>
-          <a:xfrm>
-            <a:off x="259899" y="1039681"/>
-            <a:ext cx="9434513" cy="5639378"/>
-          </a:xfrm>
-        </p:spPr>
-        <p:txBody>
-          <a:bodyPr>
-            <a:noAutofit/>
-          </a:bodyPr>
-          <a:lstStyle/>
-          <a:p>
-            <a:pPr>
-              <a:lnSpc>
-                <a:spcPct val="100000"/>
-              </a:lnSpc>
-            </a:pPr>
-            <a:r>
-              <a:rPr lang="en-US" sz="3200" dirty="0"/>
-              <a:t>Software University Foundation – </a:t>
-            </a:r>
-            <a:r>
-              <a:rPr lang="en-US" sz="3200" noProof="1">
-                <a:hlinkClick r:id="rId3"/>
-              </a:rPr>
-              <a:t>softuni.org</a:t>
-            </a:r>
-            <a:endParaRPr lang="en-US" sz="3200" noProof="1"/>
-          </a:p>
-          <a:p>
-            <a:pPr>
-              <a:lnSpc>
-                <a:spcPct val="100000"/>
-              </a:lnSpc>
-            </a:pPr>
-            <a:r>
-              <a:rPr lang="en-US" sz="3200" dirty="0"/>
-              <a:t>Software University – High-Quality Education, Profession and Job for Software Developers</a:t>
-            </a:r>
-          </a:p>
-          <a:p>
-            <a:pPr lvl="1">
-              <a:lnSpc>
-                <a:spcPct val="100000"/>
-              </a:lnSpc>
-            </a:pPr>
-            <a:r>
-              <a:rPr lang="en-US" sz="2900" noProof="1">
-                <a:hlinkClick r:id="rId4"/>
-              </a:rPr>
-              <a:t>softuni.bg</a:t>
-            </a:r>
-            <a:r>
-              <a:rPr lang="en-US" sz="2900" noProof="1"/>
-              <a:t> </a:t>
-            </a:r>
-          </a:p>
-          <a:p>
-            <a:pPr marL="304747" lvl="1" indent="-304747">
-              <a:lnSpc>
-                <a:spcPct val="100000"/>
-              </a:lnSpc>
-              <a:buClr>
-                <a:srgbClr val="F2B254"/>
-              </a:buClr>
-              <a:buSzPct val="100000"/>
-              <a:tabLst>
-                <a:tab pos="282575" algn="l"/>
-              </a:tabLst>
-            </a:pPr>
-            <a:r>
-              <a:rPr lang="en-US" dirty="0"/>
-              <a:t>Software University @ Facebook</a:t>
-            </a:r>
-          </a:p>
-          <a:p>
-            <a:pPr lvl="1">
-              <a:lnSpc>
-                <a:spcPct val="100000"/>
-              </a:lnSpc>
-              <a:tabLst>
-                <a:tab pos="282575" algn="l"/>
-              </a:tabLst>
-            </a:pPr>
-            <a:r>
-              <a:rPr lang="en-US" sz="2900" noProof="1">
-                <a:hlinkClick r:id="rId5"/>
-              </a:rPr>
-              <a:t>facebook.com/SoftwareUniversity</a:t>
-            </a:r>
-            <a:endParaRPr lang="en-US" sz="2900" noProof="1"/>
-          </a:p>
-          <a:p>
-            <a:pPr marL="304747" lvl="1" indent="-304747">
-              <a:lnSpc>
-                <a:spcPct val="100000"/>
-              </a:lnSpc>
-              <a:buClr>
-                <a:srgbClr val="F2B254"/>
-              </a:buClr>
-              <a:buSzPct val="100000"/>
-              <a:tabLst>
-                <a:tab pos="282575" algn="l"/>
-              </a:tabLst>
-            </a:pPr>
-            <a:endParaRPr lang="en-US" noProof="1"/>
-          </a:p>
-          <a:p>
-            <a:pPr marL="304747" lvl="1" indent="-304747">
-              <a:lnSpc>
-                <a:spcPct val="100000"/>
-              </a:lnSpc>
-              <a:buClr>
-                <a:srgbClr val="F2B254"/>
-              </a:buClr>
-              <a:buSzPct val="100000"/>
-              <a:tabLst>
-                <a:tab pos="282575" algn="l"/>
-              </a:tabLst>
-            </a:pPr>
-            <a:endParaRPr lang="en-US" noProof="1"/>
-          </a:p>
-          <a:p>
-            <a:pPr marL="304747" lvl="1" indent="-304747">
-              <a:lnSpc>
-                <a:spcPct val="100000"/>
-              </a:lnSpc>
-              <a:buClr>
-                <a:srgbClr val="F2B254"/>
-              </a:buClr>
-              <a:buSzPct val="100000"/>
-              <a:tabLst>
-                <a:tab pos="282575" algn="l"/>
-              </a:tabLst>
-            </a:pPr>
-            <a:r>
-              <a:rPr lang="en-US" noProof="1"/>
-              <a:t>Software University Forums – </a:t>
-            </a:r>
-            <a:r>
-              <a:rPr lang="en-US" dirty="0">
-                <a:hlinkClick r:id="rId6"/>
-              </a:rPr>
-              <a:t>forum.softuni.bg</a:t>
-            </a:r>
-            <a:endParaRPr lang="en-US" noProof="1"/>
-          </a:p>
-        </p:txBody>
-      </p:sp>
-      <p:pic>
-        <p:nvPicPr>
-          <p:cNvPr id="9" name="Picture 8" title="Software University">
-            <a:hlinkClick r:id="rId4"/>
-          </p:cNvPr>
-          <p:cNvPicPr>
-            <a:picLocks noChangeAspect="1"/>
-          </p:cNvPicPr>
-          <p:nvPr/>
-        </p:nvPicPr>
-        <p:blipFill rotWithShape="1">
-          <a:blip r:embed="rId7" cstate="print">
-            <a:extLst>
-              <a:ext uri="{28A0092B-C50C-407E-A947-70E740481C1C}">
-                <a14:useLocalDpi xmlns:a14="http://schemas.microsoft.com/office/drawing/2010/main"/>
-              </a:ext>
-            </a:extLst>
-          </a:blip>
-          <a:srcRect t="7214" b="7214"/>
-          <a:stretch/>
-        </p:blipFill>
-        <p:spPr>
-          <a:xfrm>
-            <a:off x="9659438" y="1914597"/>
-            <a:ext cx="1834974" cy="1570200"/>
-          </a:xfrm>
-          <a:prstGeom prst="rect">
-            <a:avLst/>
-          </a:prstGeom>
-          <a:ln w="12700">
-            <a:solidFill>
-              <a:srgbClr val="55438F">
-                <a:alpha val="70000"/>
-              </a:srgbClr>
-            </a:solidFill>
-          </a:ln>
-        </p:spPr>
-      </p:pic>
-      <p:pic>
-        <p:nvPicPr>
-          <p:cNvPr id="10" name="Picture 9" title="Software University Foundation">
-            <a:hlinkClick r:id="rId3" tooltip="Software University Foundation"/>
-          </p:cNvPr>
-          <p:cNvPicPr>
-            <a:picLocks noChangeAspect="1"/>
-          </p:cNvPicPr>
-          <p:nvPr/>
-        </p:nvPicPr>
-        <p:blipFill rotWithShape="1">
-          <a:blip r:embed="rId8" cstate="print">
-            <a:extLst>
-              <a:ext uri="{28A0092B-C50C-407E-A947-70E740481C1C}">
-                <a14:useLocalDpi xmlns:a14="http://schemas.microsoft.com/office/drawing/2010/main"/>
-              </a:ext>
-            </a:extLst>
-          </a:blip>
-          <a:srcRect l="-5359" t="-15226" r="-5359" b="-15226"/>
-          <a:stretch/>
-        </p:blipFill>
-        <p:spPr>
-          <a:xfrm>
-            <a:off x="9457098" y="466964"/>
-            <a:ext cx="2269870" cy="874916"/>
-          </a:xfrm>
-          <a:prstGeom prst="roundRect">
-            <a:avLst>
-              <a:gd name="adj" fmla="val 3940"/>
-            </a:avLst>
-          </a:prstGeom>
-          <a:solidFill>
-            <a:srgbClr val="231F20">
-              <a:alpha val="50000"/>
-            </a:srgbClr>
-          </a:solidFill>
-          <a:ln>
-            <a:solidFill>
-              <a:schemeClr val="accent1">
-                <a:lumMod val="75000"/>
-                <a:alpha val="40000"/>
-              </a:schemeClr>
-            </a:solidFill>
-          </a:ln>
-        </p:spPr>
-      </p:pic>
-      <p:pic>
-        <p:nvPicPr>
-          <p:cNvPr id="11" name="Picture 4" title="Software University @ Facebook">
-            <a:hlinkClick r:id="rId9"/>
-          </p:cNvPr>
-          <p:cNvPicPr>
-            <a:picLocks noChangeAspect="1" noChangeArrowheads="1"/>
-          </p:cNvPicPr>
-          <p:nvPr/>
-        </p:nvPicPr>
-        <p:blipFill rotWithShape="1">
-          <a:blip r:embed="rId10" cstate="print">
-            <a:extLst>
-              <a:ext uri="{28A0092B-C50C-407E-A947-70E740481C1C}">
-                <a14:useLocalDpi xmlns:a14="http://schemas.microsoft.com/office/drawing/2010/main"/>
-              </a:ext>
-            </a:extLst>
-          </a:blip>
-          <a:srcRect/>
-          <a:stretch/>
-        </p:blipFill>
-        <p:spPr bwMode="auto">
-          <a:xfrm>
-            <a:off x="10075536" y="4003703"/>
-            <a:ext cx="1003954" cy="1017562"/>
-          </a:xfrm>
-          <a:prstGeom prst="rect">
-            <a:avLst/>
-          </a:prstGeom>
-          <a:noFill/>
-          <a:extLst>
-            <a:ext uri="{909E8E84-426E-40DD-AFC4-6F175D3DCCD1}">
-              <a14:hiddenFill xmlns:a14="http://schemas.microsoft.com/office/drawing/2010/main">
-                <a:solidFill>
-                  <a:srgbClr val="FFFFFF"/>
-                </a:solidFill>
-              </a14:hiddenFill>
-            </a:ext>
-          </a:extLst>
-        </p:spPr>
-      </p:pic>
-      <p:pic>
-        <p:nvPicPr>
-          <p:cNvPr id="13" name="Picture 12" title="Software University - Forum">
-            <a:hlinkClick r:id="rId6"/>
-          </p:cNvPr>
-          <p:cNvPicPr>
-            <a:picLocks noChangeAspect="1"/>
-          </p:cNvPicPr>
-          <p:nvPr/>
-        </p:nvPicPr>
-        <p:blipFill>
-          <a:blip r:embed="rId11" cstate="print">
-            <a:extLst>
-              <a:ext uri="{28A0092B-C50C-407E-A947-70E740481C1C}">
-                <a14:useLocalDpi xmlns:a14="http://schemas.microsoft.com/office/drawing/2010/main"/>
-              </a:ext>
-            </a:extLst>
-          </a:blip>
-          <a:stretch>
-            <a:fillRect/>
-          </a:stretch>
-        </p:blipFill>
-        <p:spPr>
-          <a:xfrm>
-            <a:off x="10109334" y="5540172"/>
-            <a:ext cx="970156" cy="965726"/>
-          </a:xfrm>
-          <a:prstGeom prst="rect">
-            <a:avLst/>
-          </a:prstGeom>
-        </p:spPr>
-      </p:pic>
-      <p:pic>
-        <p:nvPicPr>
-          <p:cNvPr id="14" name="Picture 13">
-            <a:hlinkClick r:id="rId4"/>
-          </p:cNvPr>
-          <p:cNvPicPr>
-            <a:picLocks noChangeAspect="1"/>
-          </p:cNvPicPr>
-          <p:nvPr/>
-        </p:nvPicPr>
-        <p:blipFill>
-          <a:blip r:embed="rId12"/>
-          <a:stretch>
-            <a:fillRect/>
-          </a:stretch>
-        </p:blipFill>
-        <p:spPr>
-          <a:xfrm>
-            <a:off x="6813548" y="3098209"/>
-            <a:ext cx="2286198" cy="2493480"/>
-          </a:xfrm>
-          <a:prstGeom prst="rect">
-            <a:avLst/>
-          </a:prstGeom>
-        </p:spPr>
-      </p:pic>
-    </p:spTree>
-    <p:extLst>
-      <p:ext uri="{BB962C8B-B14F-4D97-AF65-F5344CB8AC3E}">
-        <p14:creationId xmlns:p14="http://schemas.microsoft.com/office/powerpoint/2010/main" val="2931241662"/>
-      </p:ext>
-    </p:extLst>
-  </p:cSld>
-  <p:clrMapOvr>
-    <a:masterClrMapping/>
-  </p:clrMapOvr>
 </p:sld>
 </file>
 
@@ -26850,338 +22994,6 @@
 </file>
 
 <file path=ppt/theme/theme2.xml><?xml version="1.0" encoding="utf-8"?>
-<a:theme xmlns:a="http://schemas.openxmlformats.org/drawingml/2006/main" name="1_SoftUni 16x9">
-  <a:themeElements>
-    <a:clrScheme name="SoftUni Color Theme">
-      <a:dk1>
-        <a:sysClr val="windowText" lastClr="000000"/>
-      </a:dk1>
-      <a:lt1>
-        <a:sysClr val="window" lastClr="FFFFFF"/>
-      </a:lt1>
-      <a:dk2>
-        <a:srgbClr val="4E3B30"/>
-      </a:dk2>
-      <a:lt2>
-        <a:srgbClr val="FBEEC9"/>
-      </a:lt2>
-      <a:accent1>
-        <a:srgbClr val="F0A22E"/>
-      </a:accent1>
-      <a:accent2>
-        <a:srgbClr val="A5644E"/>
-      </a:accent2>
-      <a:accent3>
-        <a:srgbClr val="B58B80"/>
-      </a:accent3>
-      <a:accent4>
-        <a:srgbClr val="C3986D"/>
-      </a:accent4>
-      <a:accent5>
-        <a:srgbClr val="A19574"/>
-      </a:accent5>
-      <a:accent6>
-        <a:srgbClr val="C17529"/>
-      </a:accent6>
-      <a:hlink>
-        <a:srgbClr val="F6C781"/>
-      </a:hlink>
-      <a:folHlink>
-        <a:srgbClr val="F2AC44"/>
-      </a:folHlink>
-    </a:clrScheme>
-    <a:fontScheme name="Calibri">
-      <a:majorFont>
-        <a:latin typeface="Calibri"/>
-        <a:ea typeface=""/>
-        <a:cs typeface=""/>
-        <a:font script="Jpan" typeface="ＭＳ ゴシック"/>
-        <a:font script="Hang" typeface="HY중고딕"/>
-        <a:font script="Hans" typeface="幼圆"/>
-        <a:font script="Hant" typeface="微軟正黑體"/>
-        <a:font script="Arab" typeface="Tahoma"/>
-        <a:font script="Hebr" typeface="Gisha"/>
-        <a:font script="Thai" typeface="DilleniaUPC"/>
-        <a:font script="Ethi" typeface="Nyala"/>
-        <a:font script="Beng" typeface="Vrinda"/>
-        <a:font script="Gujr" typeface="Shruti"/>
-        <a:font script="Khmr" typeface="DaunPenh"/>
-        <a:font script="Knda" typeface="Tunga"/>
-        <a:font script="Guru" typeface="Raavi"/>
-        <a:font script="Cans" typeface="Euphemia"/>
-        <a:font script="Cher" typeface="Plantagenet Cherokee"/>
-        <a:font script="Yiii" typeface="Microsoft Yi Baiti"/>
-        <a:font script="Tibt" typeface="Microsoft Himalaya"/>
-        <a:font script="Thaa" typeface="MV Boli"/>
-        <a:font script="Deva" typeface="Mangal"/>
-        <a:font script="Telu" typeface="Gautami"/>
-        <a:font script="Taml" typeface="Latha"/>
-        <a:font script="Syrc" typeface="Estrangelo Edessa"/>
-        <a:font script="Orya" typeface="Kalinga"/>
-        <a:font script="Mlym" typeface="Kartika"/>
-        <a:font script="Laoo" typeface="DokChampa"/>
-        <a:font script="Sinh" typeface="Iskoola Pota"/>
-        <a:font script="Mong" typeface="Mongolian Baiti"/>
-        <a:font script="Viet" typeface="Tahoma"/>
-        <a:font script="Uigh" typeface="Microsoft Uighur"/>
-        <a:font script="Geor" typeface="Sylfaen"/>
-      </a:majorFont>
-      <a:minorFont>
-        <a:latin typeface="Calibri"/>
-        <a:ea typeface=""/>
-        <a:cs typeface=""/>
-        <a:font script="Jpan" typeface="ＭＳ ゴシック"/>
-        <a:font script="Hang" typeface="HY중고딕"/>
-        <a:font script="Hans" typeface="幼圆"/>
-        <a:font script="Hant" typeface="微軟正黑體"/>
-        <a:font script="Arab" typeface="Tahoma"/>
-        <a:font script="Hebr" typeface="Gisha"/>
-        <a:font script="Thai" typeface="DilleniaUPC"/>
-        <a:font script="Ethi" typeface="Nyala"/>
-        <a:font script="Beng" typeface="Vrinda"/>
-        <a:font script="Gujr" typeface="Shruti"/>
-        <a:font script="Khmr" typeface="DaunPenh"/>
-        <a:font script="Knda" typeface="Tunga"/>
-        <a:font script="Guru" typeface="Raavi"/>
-        <a:font script="Cans" typeface="Euphemia"/>
-        <a:font script="Cher" typeface="Plantagenet Cherokee"/>
-        <a:font script="Yiii" typeface="Microsoft Yi Baiti"/>
-        <a:font script="Tibt" typeface="Microsoft Himalaya"/>
-        <a:font script="Thaa" typeface="MV Boli"/>
-        <a:font script="Deva" typeface="Mangal"/>
-        <a:font script="Telu" typeface="Gautami"/>
-        <a:font script="Taml" typeface="Latha"/>
-        <a:font script="Syrc" typeface="Estrangelo Edessa"/>
-        <a:font script="Orya" typeface="Kalinga"/>
-        <a:font script="Mlym" typeface="Kartika"/>
-        <a:font script="Laoo" typeface="DokChampa"/>
-        <a:font script="Sinh" typeface="Iskoola Pota"/>
-        <a:font script="Mong" typeface="Mongolian Baiti"/>
-        <a:font script="Viet" typeface="Verdana"/>
-        <a:font script="Uigh" typeface="Microsoft Uighur"/>
-        <a:font script="Geor" typeface="Sylfaen"/>
-      </a:minorFont>
-    </a:fontScheme>
-    <a:fmtScheme name="Office">
-      <a:fillStyleLst>
-        <a:solidFill>
-          <a:schemeClr val="phClr"/>
-        </a:solidFill>
-        <a:gradFill rotWithShape="1">
-          <a:gsLst>
-            <a:gs pos="0">
-              <a:schemeClr val="phClr">
-                <a:lumMod val="110000"/>
-                <a:satMod val="105000"/>
-                <a:tint val="67000"/>
-              </a:schemeClr>
-            </a:gs>
-            <a:gs pos="50000">
-              <a:schemeClr val="phClr">
-                <a:lumMod val="105000"/>
-                <a:satMod val="103000"/>
-                <a:tint val="73000"/>
-              </a:schemeClr>
-            </a:gs>
-            <a:gs pos="100000">
-              <a:schemeClr val="phClr">
-                <a:lumMod val="105000"/>
-                <a:satMod val="109000"/>
-                <a:tint val="81000"/>
-              </a:schemeClr>
-            </a:gs>
-          </a:gsLst>
-          <a:lin ang="5400000" scaled="0"/>
-        </a:gradFill>
-        <a:gradFill rotWithShape="1">
-          <a:gsLst>
-            <a:gs pos="0">
-              <a:schemeClr val="phClr">
-                <a:satMod val="103000"/>
-                <a:lumMod val="102000"/>
-                <a:tint val="94000"/>
-              </a:schemeClr>
-            </a:gs>
-            <a:gs pos="50000">
-              <a:schemeClr val="phClr">
-                <a:satMod val="110000"/>
-                <a:lumMod val="100000"/>
-                <a:shade val="100000"/>
-              </a:schemeClr>
-            </a:gs>
-            <a:gs pos="100000">
-              <a:schemeClr val="phClr">
-                <a:lumMod val="99000"/>
-                <a:satMod val="120000"/>
-                <a:shade val="78000"/>
-              </a:schemeClr>
-            </a:gs>
-          </a:gsLst>
-          <a:lin ang="5400000" scaled="0"/>
-        </a:gradFill>
-      </a:fillStyleLst>
-      <a:lnStyleLst>
-        <a:ln w="6350" cap="flat" cmpd="sng" algn="ctr">
-          <a:solidFill>
-            <a:schemeClr val="phClr"/>
-          </a:solidFill>
-          <a:prstDash val="solid"/>
-          <a:miter lim="800000"/>
-        </a:ln>
-        <a:ln w="12700" cap="flat" cmpd="sng" algn="ctr">
-          <a:solidFill>
-            <a:schemeClr val="phClr"/>
-          </a:solidFill>
-          <a:prstDash val="solid"/>
-          <a:miter lim="800000"/>
-        </a:ln>
-        <a:ln w="19050" cap="flat" cmpd="sng" algn="ctr">
-          <a:solidFill>
-            <a:schemeClr val="phClr"/>
-          </a:solidFill>
-          <a:prstDash val="solid"/>
-          <a:miter lim="800000"/>
-        </a:ln>
-      </a:lnStyleLst>
-      <a:effectStyleLst>
-        <a:effectStyle>
-          <a:effectLst/>
-        </a:effectStyle>
-        <a:effectStyle>
-          <a:effectLst/>
-        </a:effectStyle>
-        <a:effectStyle>
-          <a:effectLst>
-            <a:outerShdw blurRad="57150" dist="19050" dir="5400000" algn="ctr" rotWithShape="0">
-              <a:srgbClr val="000000">
-                <a:alpha val="63000"/>
-              </a:srgbClr>
-            </a:outerShdw>
-          </a:effectLst>
-        </a:effectStyle>
-      </a:effectStyleLst>
-      <a:bgFillStyleLst>
-        <a:solidFill>
-          <a:schemeClr val="phClr"/>
-        </a:solidFill>
-        <a:gradFill rotWithShape="1">
-          <a:gsLst>
-            <a:gs pos="0">
-              <a:schemeClr val="phClr">
-                <a:tint val="100000"/>
-                <a:shade val="0"/>
-                <a:satMod val="100000"/>
-              </a:schemeClr>
-            </a:gs>
-            <a:gs pos="85000">
-              <a:schemeClr val="phClr">
-                <a:tint val="100000"/>
-                <a:shade val="30000"/>
-                <a:satMod val="100000"/>
-              </a:schemeClr>
-            </a:gs>
-            <a:gs pos="100000">
-              <a:schemeClr val="phClr">
-                <a:shade val="60000"/>
-                <a:satMod val="100000"/>
-              </a:schemeClr>
-            </a:gs>
-          </a:gsLst>
-          <a:lin ang="13500000" scaled="0"/>
-        </a:gradFill>
-        <a:gradFill rotWithShape="1">
-          <a:gsLst>
-            <a:gs pos="0">
-              <a:schemeClr val="phClr">
-                <a:tint val="100000"/>
-                <a:shade val="0"/>
-                <a:satMod val="100000"/>
-              </a:schemeClr>
-            </a:gs>
-            <a:gs pos="85000">
-              <a:schemeClr val="phClr">
-                <a:shade val="30000"/>
-                <a:satMod val="100000"/>
-              </a:schemeClr>
-            </a:gs>
-            <a:gs pos="100000">
-              <a:schemeClr val="phClr">
-                <a:shade val="60000"/>
-                <a:satMod val="100000"/>
-              </a:schemeClr>
-            </a:gs>
-          </a:gsLst>
-          <a:lin ang="18900000" scaled="0"/>
-        </a:gradFill>
-      </a:bgFillStyleLst>
-    </a:fmtScheme>
-  </a:themeElements>
-  <a:objectDefaults>
-    <a:spDef>
-      <a:spPr/>
-      <a:bodyPr rtlCol="0" anchor="ctr"/>
-      <a:lstStyle>
-        <a:defPPr algn="ctr">
-          <a:defRPr sz="2800"/>
-        </a:defPPr>
-      </a:lstStyle>
-      <a:style>
-        <a:lnRef idx="2">
-          <a:schemeClr val="accent1">
-            <a:shade val="50000"/>
-          </a:schemeClr>
-        </a:lnRef>
-        <a:fillRef idx="1">
-          <a:schemeClr val="accent1"/>
-        </a:fillRef>
-        <a:effectRef idx="0">
-          <a:schemeClr val="accent1"/>
-        </a:effectRef>
-        <a:fontRef idx="minor">
-          <a:schemeClr val="lt1"/>
-        </a:fontRef>
-      </a:style>
-    </a:spDef>
-    <a:lnDef>
-      <a:spPr>
-        <a:ln w="25400"/>
-      </a:spPr>
-      <a:bodyPr/>
-      <a:lstStyle/>
-      <a:style>
-        <a:lnRef idx="1">
-          <a:schemeClr val="accent1"/>
-        </a:lnRef>
-        <a:fillRef idx="0">
-          <a:schemeClr val="accent1"/>
-        </a:fillRef>
-        <a:effectRef idx="0">
-          <a:schemeClr val="accent1"/>
-        </a:effectRef>
-        <a:fontRef idx="minor">
-          <a:schemeClr val="tx1"/>
-        </a:fontRef>
-      </a:style>
-    </a:lnDef>
-    <a:txDef>
-      <a:spPr>
-        <a:noFill/>
-      </a:spPr>
-      <a:bodyPr wrap="square" rtlCol="0">
-        <a:spAutoFit/>
-      </a:bodyPr>
-      <a:lstStyle>
-        <a:defPPr>
-          <a:defRPr sz="2800"/>
-        </a:defPPr>
-      </a:lstStyle>
-    </a:txDef>
-  </a:objectDefaults>
-  <a:extraClrSchemeLst/>
-</a:theme>
-</file>
-
-<file path=ppt/theme/theme3.xml><?xml version="1.0" encoding="utf-8"?>
 <a:theme xmlns:a="http://schemas.openxmlformats.org/drawingml/2006/main" name="Office Theme">
   <a:themeElements>
     <a:clrScheme name="Tech_16x9">
@@ -27476,7 +23288,7 @@
 </a:theme>
 </file>
 
-<file path=ppt/theme/theme4.xml><?xml version="1.0" encoding="utf-8"?>
+<file path=ppt/theme/theme3.xml><?xml version="1.0" encoding="utf-8"?>
 <a:theme xmlns:a="http://schemas.openxmlformats.org/drawingml/2006/main" name="Office Theme">
   <a:themeElements>
     <a:clrScheme name="Tech_16x9">
